--- a/doc/scheme_and_procedure.pptx
+++ b/doc/scheme_and_procedure.pptx
@@ -289,7 +289,7 @@
           <a:p>
             <a:fld id="{FEDA596D-284E-4434-AB27-B201FA23FEAE}" type="datetimeFigureOut">
               <a:rPr lang="zh-CN" altLang="en-US" smtClean="0"/>
-              <a:t>2015/12/4</a:t>
+              <a:t>2016/1/1</a:t>
             </a:fld>
             <a:endParaRPr lang="zh-CN" altLang="en-US"/>
           </a:p>
@@ -459,7 +459,7 @@
           <a:p>
             <a:fld id="{FEDA596D-284E-4434-AB27-B201FA23FEAE}" type="datetimeFigureOut">
               <a:rPr lang="zh-CN" altLang="en-US" smtClean="0"/>
-              <a:t>2015/12/4</a:t>
+              <a:t>2016/1/1</a:t>
             </a:fld>
             <a:endParaRPr lang="zh-CN" altLang="en-US"/>
           </a:p>
@@ -639,7 +639,7 @@
           <a:p>
             <a:fld id="{FEDA596D-284E-4434-AB27-B201FA23FEAE}" type="datetimeFigureOut">
               <a:rPr lang="zh-CN" altLang="en-US" smtClean="0"/>
-              <a:t>2015/12/4</a:t>
+              <a:t>2016/1/1</a:t>
             </a:fld>
             <a:endParaRPr lang="zh-CN" altLang="en-US"/>
           </a:p>
@@ -809,7 +809,7 @@
           <a:p>
             <a:fld id="{FEDA596D-284E-4434-AB27-B201FA23FEAE}" type="datetimeFigureOut">
               <a:rPr lang="zh-CN" altLang="en-US" smtClean="0"/>
-              <a:t>2015/12/4</a:t>
+              <a:t>2016/1/1</a:t>
             </a:fld>
             <a:endParaRPr lang="zh-CN" altLang="en-US"/>
           </a:p>
@@ -1055,7 +1055,7 @@
           <a:p>
             <a:fld id="{FEDA596D-284E-4434-AB27-B201FA23FEAE}" type="datetimeFigureOut">
               <a:rPr lang="zh-CN" altLang="en-US" smtClean="0"/>
-              <a:t>2015/12/4</a:t>
+              <a:t>2016/1/1</a:t>
             </a:fld>
             <a:endParaRPr lang="zh-CN" altLang="en-US"/>
           </a:p>
@@ -1343,7 +1343,7 @@
           <a:p>
             <a:fld id="{FEDA596D-284E-4434-AB27-B201FA23FEAE}" type="datetimeFigureOut">
               <a:rPr lang="zh-CN" altLang="en-US" smtClean="0"/>
-              <a:t>2015/12/4</a:t>
+              <a:t>2016/1/1</a:t>
             </a:fld>
             <a:endParaRPr lang="zh-CN" altLang="en-US"/>
           </a:p>
@@ -1765,7 +1765,7 @@
           <a:p>
             <a:fld id="{FEDA596D-284E-4434-AB27-B201FA23FEAE}" type="datetimeFigureOut">
               <a:rPr lang="zh-CN" altLang="en-US" smtClean="0"/>
-              <a:t>2015/12/4</a:t>
+              <a:t>2016/1/1</a:t>
             </a:fld>
             <a:endParaRPr lang="zh-CN" altLang="en-US"/>
           </a:p>
@@ -1883,7 +1883,7 @@
           <a:p>
             <a:fld id="{FEDA596D-284E-4434-AB27-B201FA23FEAE}" type="datetimeFigureOut">
               <a:rPr lang="zh-CN" altLang="en-US" smtClean="0"/>
-              <a:t>2015/12/4</a:t>
+              <a:t>2016/1/1</a:t>
             </a:fld>
             <a:endParaRPr lang="zh-CN" altLang="en-US"/>
           </a:p>
@@ -1978,7 +1978,7 @@
           <a:p>
             <a:fld id="{FEDA596D-284E-4434-AB27-B201FA23FEAE}" type="datetimeFigureOut">
               <a:rPr lang="zh-CN" altLang="en-US" smtClean="0"/>
-              <a:t>2015/12/4</a:t>
+              <a:t>2016/1/1</a:t>
             </a:fld>
             <a:endParaRPr lang="zh-CN" altLang="en-US"/>
           </a:p>
@@ -2255,7 +2255,7 @@
           <a:p>
             <a:fld id="{FEDA596D-284E-4434-AB27-B201FA23FEAE}" type="datetimeFigureOut">
               <a:rPr lang="zh-CN" altLang="en-US" smtClean="0"/>
-              <a:t>2015/12/4</a:t>
+              <a:t>2016/1/1</a:t>
             </a:fld>
             <a:endParaRPr lang="zh-CN" altLang="en-US"/>
           </a:p>
@@ -2508,7 +2508,7 @@
           <a:p>
             <a:fld id="{FEDA596D-284E-4434-AB27-B201FA23FEAE}" type="datetimeFigureOut">
               <a:rPr lang="zh-CN" altLang="en-US" smtClean="0"/>
-              <a:t>2015/12/4</a:t>
+              <a:t>2016/1/1</a:t>
             </a:fld>
             <a:endParaRPr lang="zh-CN" altLang="en-US"/>
           </a:p>
@@ -2721,7 +2721,7 @@
           <a:p>
             <a:fld id="{FEDA596D-284E-4434-AB27-B201FA23FEAE}" type="datetimeFigureOut">
               <a:rPr lang="zh-CN" altLang="en-US" smtClean="0"/>
-              <a:t>2015/12/4</a:t>
+              <a:t>2016/1/1</a:t>
             </a:fld>
             <a:endParaRPr lang="zh-CN" altLang="en-US"/>
           </a:p>
@@ -3203,7 +3203,7 @@
         <p:spPr>
           <a:xfrm>
             <a:off x="2267744" y="1315788"/>
-            <a:ext cx="4605107" cy="369332"/>
+            <a:ext cx="5447645" cy="369332"/>
           </a:xfrm>
           <a:prstGeom prst="rect">
             <a:avLst/>
@@ -3234,7 +3234,19 @@
             </a:r>
             <a:r>
               <a:rPr lang="en-US" altLang="zh-CN" dirty="0" smtClean="0"/>
-              <a:t>, gaps, identity </a:t>
+              <a:t>, gaps, </a:t>
+            </a:r>
+            <a:r>
+              <a:rPr lang="en-US" altLang="zh-CN" dirty="0" smtClean="0"/>
+              <a:t>identity</a:t>
+            </a:r>
+            <a:r>
+              <a:rPr lang="en-US" altLang="zh-CN" dirty="0" smtClean="0"/>
+              <a:t>, covered</a:t>
+            </a:r>
+            <a:r>
+              <a:rPr lang="en-US" altLang="zh-CN" dirty="0" smtClean="0"/>
+              <a:t> </a:t>
             </a:r>
             <a:endParaRPr lang="zh-CN" altLang="en-US" dirty="0"/>
           </a:p>

--- a/doc/scheme_and_procedure.pptx
+++ b/doc/scheme_and_procedure.pptx
@@ -3202,8 +3202,8 @@
         </p:nvSpPr>
         <p:spPr>
           <a:xfrm>
-            <a:off x="2267744" y="1315788"/>
-            <a:ext cx="5447645" cy="369332"/>
+            <a:off x="2267744" y="1261470"/>
+            <a:ext cx="5394747" cy="646331"/>
           </a:xfrm>
           <a:prstGeom prst="rect">
             <a:avLst/>
@@ -3244,9 +3244,11 @@
               <a:rPr lang="en-US" altLang="zh-CN" dirty="0" smtClean="0"/>
               <a:t>, covered</a:t>
             </a:r>
+          </a:p>
+          <a:p>
             <a:r>
               <a:rPr lang="en-US" altLang="zh-CN" dirty="0" smtClean="0"/>
-              <a:t> </a:t>
+              <a:t>Or can be filtered by user (by filter function in the excel </a:t>
             </a:r>
             <a:endParaRPr lang="zh-CN" altLang="en-US" dirty="0"/>
           </a:p>

--- a/doc/scheme_and_procedure.pptx
+++ b/doc/scheme_and_procedure.pptx
@@ -7,6 +7,8 @@
   <p:sldIdLst>
     <p:sldId id="256" r:id="rId2"/>
     <p:sldId id="257" r:id="rId3"/>
+    <p:sldId id="258" r:id="rId4"/>
+    <p:sldId id="259" r:id="rId5"/>
   </p:sldIdLst>
   <p:sldSz cx="9144000" cy="6858000" type="screen4x3"/>
   <p:notesSz cx="6858000" cy="9144000"/>
@@ -289,7 +291,7 @@
           <a:p>
             <a:fld id="{FEDA596D-284E-4434-AB27-B201FA23FEAE}" type="datetimeFigureOut">
               <a:rPr lang="zh-CN" altLang="en-US" smtClean="0"/>
-              <a:t>2016/1/1</a:t>
+              <a:t>2016/1/3</a:t>
             </a:fld>
             <a:endParaRPr lang="zh-CN" altLang="en-US"/>
           </a:p>
@@ -459,7 +461,7 @@
           <a:p>
             <a:fld id="{FEDA596D-284E-4434-AB27-B201FA23FEAE}" type="datetimeFigureOut">
               <a:rPr lang="zh-CN" altLang="en-US" smtClean="0"/>
-              <a:t>2016/1/1</a:t>
+              <a:t>2016/1/3</a:t>
             </a:fld>
             <a:endParaRPr lang="zh-CN" altLang="en-US"/>
           </a:p>
@@ -639,7 +641,7 @@
           <a:p>
             <a:fld id="{FEDA596D-284E-4434-AB27-B201FA23FEAE}" type="datetimeFigureOut">
               <a:rPr lang="zh-CN" altLang="en-US" smtClean="0"/>
-              <a:t>2016/1/1</a:t>
+              <a:t>2016/1/3</a:t>
             </a:fld>
             <a:endParaRPr lang="zh-CN" altLang="en-US"/>
           </a:p>
@@ -809,7 +811,7 @@
           <a:p>
             <a:fld id="{FEDA596D-284E-4434-AB27-B201FA23FEAE}" type="datetimeFigureOut">
               <a:rPr lang="zh-CN" altLang="en-US" smtClean="0"/>
-              <a:t>2016/1/1</a:t>
+              <a:t>2016/1/3</a:t>
             </a:fld>
             <a:endParaRPr lang="zh-CN" altLang="en-US"/>
           </a:p>
@@ -1055,7 +1057,7 @@
           <a:p>
             <a:fld id="{FEDA596D-284E-4434-AB27-B201FA23FEAE}" type="datetimeFigureOut">
               <a:rPr lang="zh-CN" altLang="en-US" smtClean="0"/>
-              <a:t>2016/1/1</a:t>
+              <a:t>2016/1/3</a:t>
             </a:fld>
             <a:endParaRPr lang="zh-CN" altLang="en-US"/>
           </a:p>
@@ -1343,7 +1345,7 @@
           <a:p>
             <a:fld id="{FEDA596D-284E-4434-AB27-B201FA23FEAE}" type="datetimeFigureOut">
               <a:rPr lang="zh-CN" altLang="en-US" smtClean="0"/>
-              <a:t>2016/1/1</a:t>
+              <a:t>2016/1/3</a:t>
             </a:fld>
             <a:endParaRPr lang="zh-CN" altLang="en-US"/>
           </a:p>
@@ -1765,7 +1767,7 @@
           <a:p>
             <a:fld id="{FEDA596D-284E-4434-AB27-B201FA23FEAE}" type="datetimeFigureOut">
               <a:rPr lang="zh-CN" altLang="en-US" smtClean="0"/>
-              <a:t>2016/1/1</a:t>
+              <a:t>2016/1/3</a:t>
             </a:fld>
             <a:endParaRPr lang="zh-CN" altLang="en-US"/>
           </a:p>
@@ -1883,7 +1885,7 @@
           <a:p>
             <a:fld id="{FEDA596D-284E-4434-AB27-B201FA23FEAE}" type="datetimeFigureOut">
               <a:rPr lang="zh-CN" altLang="en-US" smtClean="0"/>
-              <a:t>2016/1/1</a:t>
+              <a:t>2016/1/3</a:t>
             </a:fld>
             <a:endParaRPr lang="zh-CN" altLang="en-US"/>
           </a:p>
@@ -1978,7 +1980,7 @@
           <a:p>
             <a:fld id="{FEDA596D-284E-4434-AB27-B201FA23FEAE}" type="datetimeFigureOut">
               <a:rPr lang="zh-CN" altLang="en-US" smtClean="0"/>
-              <a:t>2016/1/1</a:t>
+              <a:t>2016/1/3</a:t>
             </a:fld>
             <a:endParaRPr lang="zh-CN" altLang="en-US"/>
           </a:p>
@@ -2255,7 +2257,7 @@
           <a:p>
             <a:fld id="{FEDA596D-284E-4434-AB27-B201FA23FEAE}" type="datetimeFigureOut">
               <a:rPr lang="zh-CN" altLang="en-US" smtClean="0"/>
-              <a:t>2016/1/1</a:t>
+              <a:t>2016/1/3</a:t>
             </a:fld>
             <a:endParaRPr lang="zh-CN" altLang="en-US"/>
           </a:p>
@@ -2508,7 +2510,7 @@
           <a:p>
             <a:fld id="{FEDA596D-284E-4434-AB27-B201FA23FEAE}" type="datetimeFigureOut">
               <a:rPr lang="zh-CN" altLang="en-US" smtClean="0"/>
-              <a:t>2016/1/1</a:t>
+              <a:t>2016/1/3</a:t>
             </a:fld>
             <a:endParaRPr lang="zh-CN" altLang="en-US"/>
           </a:p>
@@ -2721,7 +2723,7 @@
           <a:p>
             <a:fld id="{FEDA596D-284E-4434-AB27-B201FA23FEAE}" type="datetimeFigureOut">
               <a:rPr lang="zh-CN" altLang="en-US" smtClean="0"/>
-              <a:t>2016/1/1</a:t>
+              <a:t>2016/1/3</a:t>
             </a:fld>
             <a:endParaRPr lang="zh-CN" altLang="en-US"/>
           </a:p>
@@ -3234,15 +3236,7 @@
             </a:r>
             <a:r>
               <a:rPr lang="en-US" altLang="zh-CN" dirty="0" smtClean="0"/>
-              <a:t>, gaps, </a:t>
-            </a:r>
-            <a:r>
-              <a:rPr lang="en-US" altLang="zh-CN" dirty="0" smtClean="0"/>
-              <a:t>identity</a:t>
-            </a:r>
-            <a:r>
-              <a:rPr lang="en-US" altLang="zh-CN" dirty="0" smtClean="0"/>
-              <a:t>, covered</a:t>
+              <a:t>, gaps, identity, covered</a:t>
             </a:r>
           </a:p>
           <a:p>
@@ -3582,6 +3576,1424 @@
     <p:extLst>
       <p:ext uri="{BB962C8B-B14F-4D97-AF65-F5344CB8AC3E}">
         <p14:creationId xmlns:p14="http://schemas.microsoft.com/office/powerpoint/2010/main" val="698318670"/>
+      </p:ext>
+    </p:extLst>
+  </p:cSld>
+  <p:clrMapOvr>
+    <a:masterClrMapping/>
+  </p:clrMapOvr>
+</p:sld>
+</file>
+
+<file path=ppt/slides/slide3.xml><?xml version="1.0" encoding="utf-8"?>
+<p:sld xmlns:a="http://schemas.openxmlformats.org/drawingml/2006/main" xmlns:r="http://schemas.openxmlformats.org/officeDocument/2006/relationships" xmlns:p="http://schemas.openxmlformats.org/presentationml/2006/main">
+  <p:cSld>
+    <p:spTree>
+      <p:nvGrpSpPr>
+        <p:cNvPr id="1" name=""/>
+        <p:cNvGrpSpPr/>
+        <p:nvPr/>
+      </p:nvGrpSpPr>
+      <p:grpSpPr>
+        <a:xfrm>
+          <a:off x="0" y="0"/>
+          <a:ext cx="0" cy="0"/>
+          <a:chOff x="0" y="0"/>
+          <a:chExt cx="0" cy="0"/>
+        </a:xfrm>
+      </p:grpSpPr>
+      <p:sp>
+        <p:nvSpPr>
+          <p:cNvPr id="4" name="TextBox 3"/>
+          <p:cNvSpPr txBox="1"/>
+          <p:nvPr/>
+        </p:nvSpPr>
+        <p:spPr>
+          <a:xfrm>
+            <a:off x="2267744" y="1412776"/>
+            <a:ext cx="1062855" cy="646331"/>
+          </a:xfrm>
+          <a:prstGeom prst="rect">
+            <a:avLst/>
+          </a:prstGeom>
+          <a:noFill/>
+        </p:spPr>
+        <p:txBody>
+          <a:bodyPr wrap="none" rtlCol="0">
+            <a:spAutoFit/>
+          </a:bodyPr>
+          <a:lstStyle/>
+          <a:p>
+            <a:r>
+              <a:rPr lang="en-US" altLang="zh-CN" dirty="0" smtClean="0"/>
+              <a:t>Raw </a:t>
+            </a:r>
+            <a:r>
+              <a:rPr lang="en-US" altLang="zh-CN" dirty="0" err="1" smtClean="0"/>
+              <a:t>seq</a:t>
+            </a:r>
+            <a:endParaRPr lang="en-US" altLang="zh-CN" dirty="0" smtClean="0"/>
+          </a:p>
+          <a:p>
+            <a:r>
+              <a:rPr lang="en-US" altLang="zh-CN" dirty="0" smtClean="0"/>
+              <a:t>Ab1,fasta</a:t>
+            </a:r>
+            <a:endParaRPr lang="zh-CN" altLang="en-US" dirty="0"/>
+          </a:p>
+        </p:txBody>
+      </p:sp>
+      <p:sp>
+        <p:nvSpPr>
+          <p:cNvPr id="5" name="TextBox 4"/>
+          <p:cNvSpPr txBox="1"/>
+          <p:nvPr/>
+        </p:nvSpPr>
+        <p:spPr>
+          <a:xfrm>
+            <a:off x="3480500" y="2541685"/>
+            <a:ext cx="1388585" cy="369332"/>
+          </a:xfrm>
+          <a:prstGeom prst="rect">
+            <a:avLst/>
+          </a:prstGeom>
+          <a:noFill/>
+        </p:spPr>
+        <p:txBody>
+          <a:bodyPr wrap="none" rtlCol="0">
+            <a:spAutoFit/>
+          </a:bodyPr>
+          <a:lstStyle/>
+          <a:p>
+            <a:r>
+              <a:rPr lang="en-US" altLang="zh-CN" dirty="0" smtClean="0"/>
+              <a:t>blast7format</a:t>
+            </a:r>
+            <a:endParaRPr lang="zh-CN" altLang="en-US" dirty="0"/>
+          </a:p>
+        </p:txBody>
+      </p:sp>
+      <p:sp>
+        <p:nvSpPr>
+          <p:cNvPr id="6" name="TextBox 5"/>
+          <p:cNvSpPr txBox="1"/>
+          <p:nvPr/>
+        </p:nvSpPr>
+        <p:spPr>
+          <a:xfrm>
+            <a:off x="2034090" y="3356992"/>
+            <a:ext cx="1530162" cy="369332"/>
+          </a:xfrm>
+          <a:prstGeom prst="rect">
+            <a:avLst/>
+          </a:prstGeom>
+          <a:noFill/>
+        </p:spPr>
+        <p:txBody>
+          <a:bodyPr wrap="none" rtlCol="0">
+            <a:spAutoFit/>
+          </a:bodyPr>
+          <a:lstStyle/>
+          <a:p>
+            <a:r>
+              <a:rPr lang="en-US" altLang="zh-CN" dirty="0" smtClean="0"/>
+              <a:t>Imported data</a:t>
+            </a:r>
+            <a:endParaRPr lang="zh-CN" altLang="en-US" dirty="0"/>
+          </a:p>
+        </p:txBody>
+      </p:sp>
+      <p:sp>
+        <p:nvSpPr>
+          <p:cNvPr id="7" name="TextBox 6"/>
+          <p:cNvSpPr txBox="1"/>
+          <p:nvPr/>
+        </p:nvSpPr>
+        <p:spPr>
+          <a:xfrm>
+            <a:off x="4431465" y="1991657"/>
+            <a:ext cx="1229247" cy="369332"/>
+          </a:xfrm>
+          <a:prstGeom prst="rect">
+            <a:avLst/>
+          </a:prstGeom>
+          <a:noFill/>
+        </p:spPr>
+        <p:txBody>
+          <a:bodyPr wrap="none" rtlCol="0">
+            <a:spAutoFit/>
+          </a:bodyPr>
+          <a:lstStyle/>
+          <a:p>
+            <a:r>
+              <a:rPr lang="en-US" altLang="zh-CN" dirty="0" err="1" smtClean="0"/>
+              <a:t>Blastdb</a:t>
+            </a:r>
+            <a:r>
+              <a:rPr lang="en-US" altLang="zh-CN" dirty="0" smtClean="0"/>
+              <a:t>/ref</a:t>
+            </a:r>
+            <a:endParaRPr lang="zh-CN" altLang="en-US" dirty="0"/>
+          </a:p>
+        </p:txBody>
+      </p:sp>
+      <p:cxnSp>
+        <p:nvCxnSpPr>
+          <p:cNvPr id="9" name="直接箭头连接符 8"/>
+          <p:cNvCxnSpPr>
+            <a:stCxn id="4" idx="2"/>
+            <a:endCxn id="6" idx="0"/>
+          </p:cNvCxnSpPr>
+          <p:nvPr/>
+        </p:nvCxnSpPr>
+        <p:spPr>
+          <a:xfrm flipH="1">
+            <a:off x="2799171" y="2059107"/>
+            <a:ext cx="1" cy="1297885"/>
+          </a:xfrm>
+          <a:prstGeom prst="straightConnector1">
+            <a:avLst/>
+          </a:prstGeom>
+          <a:ln>
+            <a:tailEnd type="arrow"/>
+          </a:ln>
+        </p:spPr>
+        <p:style>
+          <a:lnRef idx="1">
+            <a:schemeClr val="accent1"/>
+          </a:lnRef>
+          <a:fillRef idx="0">
+            <a:schemeClr val="accent1"/>
+          </a:fillRef>
+          <a:effectRef idx="0">
+            <a:schemeClr val="accent1"/>
+          </a:effectRef>
+          <a:fontRef idx="minor">
+            <a:schemeClr val="tx1"/>
+          </a:fontRef>
+        </p:style>
+      </p:cxnSp>
+      <p:cxnSp>
+        <p:nvCxnSpPr>
+          <p:cNvPr id="17" name="直接箭头连接符 16"/>
+          <p:cNvCxnSpPr>
+            <a:stCxn id="5" idx="2"/>
+            <a:endCxn id="6" idx="0"/>
+          </p:cNvCxnSpPr>
+          <p:nvPr/>
+        </p:nvCxnSpPr>
+        <p:spPr>
+          <a:xfrm flipH="1">
+            <a:off x="2799171" y="2911017"/>
+            <a:ext cx="1375622" cy="445975"/>
+          </a:xfrm>
+          <a:prstGeom prst="straightConnector1">
+            <a:avLst/>
+          </a:prstGeom>
+          <a:ln>
+            <a:tailEnd type="arrow"/>
+          </a:ln>
+        </p:spPr>
+        <p:style>
+          <a:lnRef idx="1">
+            <a:schemeClr val="accent1"/>
+          </a:lnRef>
+          <a:fillRef idx="0">
+            <a:schemeClr val="accent1"/>
+          </a:fillRef>
+          <a:effectRef idx="0">
+            <a:schemeClr val="accent1"/>
+          </a:effectRef>
+          <a:fontRef idx="minor">
+            <a:schemeClr val="tx1"/>
+          </a:fontRef>
+        </p:style>
+      </p:cxnSp>
+      <p:sp>
+        <p:nvSpPr>
+          <p:cNvPr id="20" name="矩形 19"/>
+          <p:cNvSpPr/>
+          <p:nvPr/>
+        </p:nvSpPr>
+        <p:spPr>
+          <a:xfrm>
+            <a:off x="6588224" y="1987687"/>
+            <a:ext cx="2982007" cy="1477328"/>
+          </a:xfrm>
+          <a:prstGeom prst="rect">
+            <a:avLst/>
+          </a:prstGeom>
+        </p:spPr>
+        <p:txBody>
+          <a:bodyPr wrap="square">
+            <a:spAutoFit/>
+          </a:bodyPr>
+          <a:lstStyle/>
+          <a:p>
+            <a:r>
+              <a:rPr lang="en-US" altLang="zh-CN" dirty="0" err="1">
+                <a:solidFill>
+                  <a:srgbClr val="FF0000"/>
+                </a:solidFill>
+              </a:rPr>
+              <a:t>qseqid</a:t>
+            </a:r>
+            <a:r>
+              <a:rPr lang="en-US" altLang="zh-CN" dirty="0">
+                <a:solidFill>
+                  <a:srgbClr val="FF0000"/>
+                </a:solidFill>
+              </a:rPr>
+              <a:t> </a:t>
+            </a:r>
+            <a:r>
+              <a:rPr lang="en-US" altLang="zh-CN" dirty="0" err="1">
+                <a:solidFill>
+                  <a:srgbClr val="FF0000"/>
+                </a:solidFill>
+              </a:rPr>
+              <a:t>qlen</a:t>
+            </a:r>
+            <a:r>
+              <a:rPr lang="en-US" altLang="zh-CN" dirty="0">
+                <a:solidFill>
+                  <a:srgbClr val="FF0000"/>
+                </a:solidFill>
+              </a:rPr>
+              <a:t> </a:t>
+            </a:r>
+            <a:r>
+              <a:rPr lang="en-US" altLang="zh-CN" dirty="0" err="1">
+                <a:solidFill>
+                  <a:srgbClr val="FF0000"/>
+                </a:solidFill>
+              </a:rPr>
+              <a:t>sseqid</a:t>
+            </a:r>
+            <a:r>
+              <a:rPr lang="en-US" altLang="zh-CN" dirty="0">
+                <a:solidFill>
+                  <a:srgbClr val="FF0000"/>
+                </a:solidFill>
+              </a:rPr>
+              <a:t> </a:t>
+            </a:r>
+            <a:r>
+              <a:rPr lang="en-US" altLang="zh-CN" dirty="0" err="1">
+                <a:solidFill>
+                  <a:srgbClr val="FF0000"/>
+                </a:solidFill>
+              </a:rPr>
+              <a:t>slen</a:t>
+            </a:r>
+            <a:r>
+              <a:rPr lang="en-US" altLang="zh-CN" dirty="0">
+                <a:solidFill>
+                  <a:srgbClr val="FF0000"/>
+                </a:solidFill>
+              </a:rPr>
+              <a:t> </a:t>
+            </a:r>
+            <a:r>
+              <a:rPr lang="en-US" altLang="zh-CN" dirty="0" err="1">
+                <a:solidFill>
+                  <a:srgbClr val="FF0000"/>
+                </a:solidFill>
+              </a:rPr>
+              <a:t>pident</a:t>
+            </a:r>
+            <a:r>
+              <a:rPr lang="en-US" altLang="zh-CN" dirty="0">
+                <a:solidFill>
+                  <a:srgbClr val="FF0000"/>
+                </a:solidFill>
+              </a:rPr>
+              <a:t> length mismatch </a:t>
+            </a:r>
+            <a:r>
+              <a:rPr lang="en-US" altLang="zh-CN" dirty="0" err="1">
+                <a:solidFill>
+                  <a:srgbClr val="FF0000"/>
+                </a:solidFill>
+              </a:rPr>
+              <a:t>gapopen</a:t>
+            </a:r>
+            <a:r>
+              <a:rPr lang="en-US" altLang="zh-CN" dirty="0">
+                <a:solidFill>
+                  <a:srgbClr val="FF0000"/>
+                </a:solidFill>
+              </a:rPr>
+              <a:t> </a:t>
+            </a:r>
+            <a:r>
+              <a:rPr lang="en-US" altLang="zh-CN" dirty="0" err="1">
+                <a:solidFill>
+                  <a:srgbClr val="FF0000"/>
+                </a:solidFill>
+              </a:rPr>
+              <a:t>qstart</a:t>
+            </a:r>
+            <a:r>
+              <a:rPr lang="en-US" altLang="zh-CN" dirty="0">
+                <a:solidFill>
+                  <a:srgbClr val="FF0000"/>
+                </a:solidFill>
+              </a:rPr>
+              <a:t> </a:t>
+            </a:r>
+            <a:r>
+              <a:rPr lang="en-US" altLang="zh-CN" dirty="0" err="1">
+                <a:solidFill>
+                  <a:srgbClr val="FF0000"/>
+                </a:solidFill>
+              </a:rPr>
+              <a:t>qend</a:t>
+            </a:r>
+            <a:r>
+              <a:rPr lang="en-US" altLang="zh-CN" dirty="0">
+                <a:solidFill>
+                  <a:srgbClr val="FF0000"/>
+                </a:solidFill>
+              </a:rPr>
+              <a:t> </a:t>
+            </a:r>
+            <a:r>
+              <a:rPr lang="en-US" altLang="zh-CN" dirty="0" err="1">
+                <a:solidFill>
+                  <a:srgbClr val="FF0000"/>
+                </a:solidFill>
+              </a:rPr>
+              <a:t>sstart</a:t>
+            </a:r>
+            <a:r>
+              <a:rPr lang="en-US" altLang="zh-CN" dirty="0">
+                <a:solidFill>
+                  <a:srgbClr val="FF0000"/>
+                </a:solidFill>
+              </a:rPr>
+              <a:t> send </a:t>
+            </a:r>
+            <a:r>
+              <a:rPr lang="en-US" altLang="zh-CN" dirty="0" err="1">
+                <a:solidFill>
+                  <a:srgbClr val="FF0000"/>
+                </a:solidFill>
+              </a:rPr>
+              <a:t>evalue</a:t>
+            </a:r>
+            <a:r>
+              <a:rPr lang="en-US" altLang="zh-CN" dirty="0">
+                <a:solidFill>
+                  <a:srgbClr val="FF0000"/>
+                </a:solidFill>
+              </a:rPr>
+              <a:t> </a:t>
+            </a:r>
+            <a:r>
+              <a:rPr lang="en-US" altLang="zh-CN" dirty="0" err="1">
+                <a:solidFill>
+                  <a:srgbClr val="FF0000"/>
+                </a:solidFill>
+              </a:rPr>
+              <a:t>bitscore</a:t>
+            </a:r>
+            <a:r>
+              <a:rPr lang="en-US" altLang="zh-CN" dirty="0">
+                <a:solidFill>
+                  <a:srgbClr val="FF0000"/>
+                </a:solidFill>
+              </a:rPr>
+              <a:t> </a:t>
+            </a:r>
+            <a:r>
+              <a:rPr lang="en-US" altLang="zh-CN" dirty="0" err="1">
+                <a:solidFill>
+                  <a:srgbClr val="FF0000"/>
+                </a:solidFill>
+              </a:rPr>
+              <a:t>qseq</a:t>
+            </a:r>
+            <a:r>
+              <a:rPr lang="en-US" altLang="zh-CN" dirty="0">
+                <a:solidFill>
+                  <a:srgbClr val="FF0000"/>
+                </a:solidFill>
+              </a:rPr>
+              <a:t> </a:t>
+            </a:r>
+            <a:r>
+              <a:rPr lang="en-US" altLang="zh-CN" dirty="0" smtClean="0">
+                <a:solidFill>
+                  <a:srgbClr val="FF0000"/>
+                </a:solidFill>
+              </a:rPr>
+              <a:t>sseq1</a:t>
+            </a:r>
+            <a:endParaRPr lang="zh-CN" altLang="en-US" dirty="0">
+              <a:solidFill>
+                <a:srgbClr val="FF0000"/>
+              </a:solidFill>
+            </a:endParaRPr>
+          </a:p>
+        </p:txBody>
+      </p:sp>
+      <p:cxnSp>
+        <p:nvCxnSpPr>
+          <p:cNvPr id="22" name="直接箭头连接符 21"/>
+          <p:cNvCxnSpPr>
+            <a:stCxn id="5" idx="3"/>
+            <a:endCxn id="20" idx="1"/>
+          </p:cNvCxnSpPr>
+          <p:nvPr/>
+        </p:nvCxnSpPr>
+        <p:spPr>
+          <a:xfrm>
+            <a:off x="4869085" y="2726351"/>
+            <a:ext cx="1719139" cy="0"/>
+          </a:xfrm>
+          <a:prstGeom prst="straightConnector1">
+            <a:avLst/>
+          </a:prstGeom>
+          <a:ln>
+            <a:tailEnd type="arrow"/>
+          </a:ln>
+        </p:spPr>
+        <p:style>
+          <a:lnRef idx="1">
+            <a:schemeClr val="accent1"/>
+          </a:lnRef>
+          <a:fillRef idx="0">
+            <a:schemeClr val="accent1"/>
+          </a:fillRef>
+          <a:effectRef idx="0">
+            <a:schemeClr val="accent1"/>
+          </a:effectRef>
+          <a:fontRef idx="minor">
+            <a:schemeClr val="tx1"/>
+          </a:fontRef>
+        </p:style>
+      </p:cxnSp>
+      <p:sp>
+        <p:nvSpPr>
+          <p:cNvPr id="23" name="TextBox 22"/>
+          <p:cNvSpPr txBox="1"/>
+          <p:nvPr/>
+        </p:nvSpPr>
+        <p:spPr>
+          <a:xfrm>
+            <a:off x="3330599" y="404664"/>
+            <a:ext cx="1311449" cy="369332"/>
+          </a:xfrm>
+          <a:prstGeom prst="rect">
+            <a:avLst/>
+          </a:prstGeom>
+          <a:noFill/>
+        </p:spPr>
+        <p:txBody>
+          <a:bodyPr wrap="none" rtlCol="0">
+            <a:spAutoFit/>
+          </a:bodyPr>
+          <a:lstStyle/>
+          <a:p>
+            <a:r>
+              <a:rPr lang="en-US" altLang="zh-CN" dirty="0" smtClean="0"/>
+              <a:t>Data import</a:t>
+            </a:r>
+            <a:endParaRPr lang="zh-CN" altLang="en-US" dirty="0"/>
+          </a:p>
+        </p:txBody>
+      </p:sp>
+      <p:sp>
+        <p:nvSpPr>
+          <p:cNvPr id="24" name="TextBox 23"/>
+          <p:cNvSpPr txBox="1"/>
+          <p:nvPr/>
+        </p:nvSpPr>
+        <p:spPr>
+          <a:xfrm>
+            <a:off x="3797860" y="1559634"/>
+            <a:ext cx="755976" cy="369332"/>
+          </a:xfrm>
+          <a:prstGeom prst="rect">
+            <a:avLst/>
+          </a:prstGeom>
+          <a:noFill/>
+        </p:spPr>
+        <p:txBody>
+          <a:bodyPr wrap="none" rtlCol="0">
+            <a:spAutoFit/>
+          </a:bodyPr>
+          <a:lstStyle/>
+          <a:p>
+            <a:r>
+              <a:rPr lang="en-US" altLang="zh-CN" dirty="0" err="1" smtClean="0"/>
+              <a:t>blastn</a:t>
+            </a:r>
+            <a:endParaRPr lang="zh-CN" altLang="en-US" dirty="0"/>
+          </a:p>
+        </p:txBody>
+      </p:sp>
+      <p:cxnSp>
+        <p:nvCxnSpPr>
+          <p:cNvPr id="26" name="直接连接符 25"/>
+          <p:cNvCxnSpPr>
+            <a:stCxn id="4" idx="3"/>
+            <a:endCxn id="24" idx="1"/>
+          </p:cNvCxnSpPr>
+          <p:nvPr/>
+        </p:nvCxnSpPr>
+        <p:spPr>
+          <a:xfrm>
+            <a:off x="3330599" y="1735942"/>
+            <a:ext cx="467261" cy="8358"/>
+          </a:xfrm>
+          <a:prstGeom prst="line">
+            <a:avLst/>
+          </a:prstGeom>
+        </p:spPr>
+        <p:style>
+          <a:lnRef idx="1">
+            <a:schemeClr val="accent1"/>
+          </a:lnRef>
+          <a:fillRef idx="0">
+            <a:schemeClr val="accent1"/>
+          </a:fillRef>
+          <a:effectRef idx="0">
+            <a:schemeClr val="accent1"/>
+          </a:effectRef>
+          <a:fontRef idx="minor">
+            <a:schemeClr val="tx1"/>
+          </a:fontRef>
+        </p:style>
+      </p:cxnSp>
+      <p:cxnSp>
+        <p:nvCxnSpPr>
+          <p:cNvPr id="30" name="直接箭头连接符 29"/>
+          <p:cNvCxnSpPr>
+            <a:stCxn id="24" idx="2"/>
+            <a:endCxn id="5" idx="0"/>
+          </p:cNvCxnSpPr>
+          <p:nvPr/>
+        </p:nvCxnSpPr>
+        <p:spPr>
+          <a:xfrm flipH="1">
+            <a:off x="4174793" y="1928966"/>
+            <a:ext cx="1055" cy="612719"/>
+          </a:xfrm>
+          <a:prstGeom prst="straightConnector1">
+            <a:avLst/>
+          </a:prstGeom>
+          <a:ln>
+            <a:tailEnd type="arrow"/>
+          </a:ln>
+        </p:spPr>
+        <p:style>
+          <a:lnRef idx="1">
+            <a:schemeClr val="accent1"/>
+          </a:lnRef>
+          <a:fillRef idx="0">
+            <a:schemeClr val="accent1"/>
+          </a:fillRef>
+          <a:effectRef idx="0">
+            <a:schemeClr val="accent1"/>
+          </a:effectRef>
+          <a:fontRef idx="minor">
+            <a:schemeClr val="tx1"/>
+          </a:fontRef>
+        </p:style>
+      </p:cxnSp>
+      <p:cxnSp>
+        <p:nvCxnSpPr>
+          <p:cNvPr id="34" name="直接连接符 33"/>
+          <p:cNvCxnSpPr>
+            <a:stCxn id="7" idx="1"/>
+          </p:cNvCxnSpPr>
+          <p:nvPr/>
+        </p:nvCxnSpPr>
+        <p:spPr>
+          <a:xfrm flipH="1">
+            <a:off x="4174792" y="2176323"/>
+            <a:ext cx="256673" cy="0"/>
+          </a:xfrm>
+          <a:prstGeom prst="line">
+            <a:avLst/>
+          </a:prstGeom>
+        </p:spPr>
+        <p:style>
+          <a:lnRef idx="1">
+            <a:schemeClr val="accent1"/>
+          </a:lnRef>
+          <a:fillRef idx="0">
+            <a:schemeClr val="accent1"/>
+          </a:fillRef>
+          <a:effectRef idx="0">
+            <a:schemeClr val="accent1"/>
+          </a:effectRef>
+          <a:fontRef idx="minor">
+            <a:schemeClr val="tx1"/>
+          </a:fontRef>
+        </p:style>
+      </p:cxnSp>
+      <p:sp>
+        <p:nvSpPr>
+          <p:cNvPr id="35" name="TextBox 34"/>
+          <p:cNvSpPr txBox="1"/>
+          <p:nvPr/>
+        </p:nvSpPr>
+        <p:spPr>
+          <a:xfrm>
+            <a:off x="2133309" y="4582553"/>
+            <a:ext cx="1333185" cy="369332"/>
+          </a:xfrm>
+          <a:prstGeom prst="rect">
+            <a:avLst/>
+          </a:prstGeom>
+          <a:noFill/>
+        </p:spPr>
+        <p:txBody>
+          <a:bodyPr wrap="none" rtlCol="0">
+            <a:spAutoFit/>
+          </a:bodyPr>
+          <a:lstStyle/>
+          <a:p>
+            <a:r>
+              <a:rPr lang="en-US" altLang="zh-CN" dirty="0" smtClean="0"/>
+              <a:t>filtered data</a:t>
+            </a:r>
+            <a:endParaRPr lang="zh-CN" altLang="en-US" dirty="0"/>
+          </a:p>
+        </p:txBody>
+      </p:sp>
+      <p:sp>
+        <p:nvSpPr>
+          <p:cNvPr id="36" name="矩形 35"/>
+          <p:cNvSpPr/>
+          <p:nvPr/>
+        </p:nvSpPr>
+        <p:spPr>
+          <a:xfrm>
+            <a:off x="6084168" y="4468469"/>
+            <a:ext cx="2982007" cy="646331"/>
+          </a:xfrm>
+          <a:prstGeom prst="rect">
+            <a:avLst/>
+          </a:prstGeom>
+        </p:spPr>
+        <p:txBody>
+          <a:bodyPr wrap="square">
+            <a:spAutoFit/>
+          </a:bodyPr>
+          <a:lstStyle/>
+          <a:p>
+            <a:r>
+              <a:rPr lang="en-US" altLang="zh-CN" dirty="0" smtClean="0">
+                <a:solidFill>
+                  <a:srgbClr val="FF0000"/>
+                </a:solidFill>
+              </a:rPr>
+              <a:t>Recorded reads filtered will be set to hid</a:t>
+            </a:r>
+            <a:endParaRPr lang="zh-CN" altLang="en-US" dirty="0">
+              <a:solidFill>
+                <a:srgbClr val="FF0000"/>
+              </a:solidFill>
+            </a:endParaRPr>
+          </a:p>
+        </p:txBody>
+      </p:sp>
+      <p:cxnSp>
+        <p:nvCxnSpPr>
+          <p:cNvPr id="38" name="直接箭头连接符 37"/>
+          <p:cNvCxnSpPr>
+            <a:stCxn id="6" idx="2"/>
+            <a:endCxn id="35" idx="0"/>
+          </p:cNvCxnSpPr>
+          <p:nvPr/>
+        </p:nvCxnSpPr>
+        <p:spPr>
+          <a:xfrm>
+            <a:off x="2799171" y="3726324"/>
+            <a:ext cx="731" cy="856229"/>
+          </a:xfrm>
+          <a:prstGeom prst="straightConnector1">
+            <a:avLst/>
+          </a:prstGeom>
+          <a:ln>
+            <a:tailEnd type="arrow"/>
+          </a:ln>
+        </p:spPr>
+        <p:style>
+          <a:lnRef idx="1">
+            <a:schemeClr val="accent1"/>
+          </a:lnRef>
+          <a:fillRef idx="0">
+            <a:schemeClr val="accent1"/>
+          </a:fillRef>
+          <a:effectRef idx="0">
+            <a:schemeClr val="accent1"/>
+          </a:effectRef>
+          <a:fontRef idx="minor">
+            <a:schemeClr val="tx1"/>
+          </a:fontRef>
+        </p:style>
+      </p:cxnSp>
+      <p:sp>
+        <p:nvSpPr>
+          <p:cNvPr id="39" name="TextBox 38"/>
+          <p:cNvSpPr txBox="1"/>
+          <p:nvPr/>
+        </p:nvSpPr>
+        <p:spPr>
+          <a:xfrm>
+            <a:off x="395536" y="3801949"/>
+            <a:ext cx="2281650" cy="369332"/>
+          </a:xfrm>
+          <a:prstGeom prst="rect">
+            <a:avLst/>
+          </a:prstGeom>
+          <a:noFill/>
+        </p:spPr>
+        <p:txBody>
+          <a:bodyPr wrap="none" rtlCol="0">
+            <a:spAutoFit/>
+          </a:bodyPr>
+          <a:lstStyle/>
+          <a:p>
+            <a:r>
+              <a:rPr lang="en-US" altLang="zh-CN" dirty="0" smtClean="0"/>
+              <a:t>Filter by filter function</a:t>
+            </a:r>
+            <a:endParaRPr lang="zh-CN" altLang="en-US" dirty="0"/>
+          </a:p>
+        </p:txBody>
+      </p:sp>
+      <p:cxnSp>
+        <p:nvCxnSpPr>
+          <p:cNvPr id="41" name="直接箭头连接符 40"/>
+          <p:cNvCxnSpPr>
+            <a:stCxn id="35" idx="3"/>
+            <a:endCxn id="36" idx="1"/>
+          </p:cNvCxnSpPr>
+          <p:nvPr/>
+        </p:nvCxnSpPr>
+        <p:spPr>
+          <a:xfrm>
+            <a:off x="3466494" y="4767219"/>
+            <a:ext cx="2617674" cy="24416"/>
+          </a:xfrm>
+          <a:prstGeom prst="straightConnector1">
+            <a:avLst/>
+          </a:prstGeom>
+          <a:ln>
+            <a:tailEnd type="arrow"/>
+          </a:ln>
+        </p:spPr>
+        <p:style>
+          <a:lnRef idx="1">
+            <a:schemeClr val="accent1"/>
+          </a:lnRef>
+          <a:fillRef idx="0">
+            <a:schemeClr val="accent1"/>
+          </a:fillRef>
+          <a:effectRef idx="0">
+            <a:schemeClr val="accent1"/>
+          </a:effectRef>
+          <a:fontRef idx="minor">
+            <a:schemeClr val="tx1"/>
+          </a:fontRef>
+        </p:style>
+      </p:cxnSp>
+      <p:cxnSp>
+        <p:nvCxnSpPr>
+          <p:cNvPr id="43" name="直接连接符 42"/>
+          <p:cNvCxnSpPr>
+            <a:stCxn id="39" idx="3"/>
+          </p:cNvCxnSpPr>
+          <p:nvPr/>
+        </p:nvCxnSpPr>
+        <p:spPr>
+          <a:xfrm>
+            <a:off x="2677186" y="3986615"/>
+            <a:ext cx="121985" cy="0"/>
+          </a:xfrm>
+          <a:prstGeom prst="line">
+            <a:avLst/>
+          </a:prstGeom>
+        </p:spPr>
+        <p:style>
+          <a:lnRef idx="1">
+            <a:schemeClr val="accent1"/>
+          </a:lnRef>
+          <a:fillRef idx="0">
+            <a:schemeClr val="accent1"/>
+          </a:fillRef>
+          <a:effectRef idx="0">
+            <a:schemeClr val="accent1"/>
+          </a:effectRef>
+          <a:fontRef idx="minor">
+            <a:schemeClr val="tx1"/>
+          </a:fontRef>
+        </p:style>
+      </p:cxnSp>
+      <p:sp>
+        <p:nvSpPr>
+          <p:cNvPr id="44" name="TextBox 43"/>
+          <p:cNvSpPr txBox="1"/>
+          <p:nvPr/>
+        </p:nvSpPr>
+        <p:spPr>
+          <a:xfrm>
+            <a:off x="3135651" y="3986615"/>
+            <a:ext cx="1796389" cy="369332"/>
+          </a:xfrm>
+          <a:prstGeom prst="rect">
+            <a:avLst/>
+          </a:prstGeom>
+          <a:noFill/>
+        </p:spPr>
+        <p:txBody>
+          <a:bodyPr wrap="none" rtlCol="0">
+            <a:spAutoFit/>
+          </a:bodyPr>
+          <a:lstStyle/>
+          <a:p>
+            <a:r>
+              <a:rPr lang="en-US" altLang="zh-CN" dirty="0" smtClean="0"/>
+              <a:t>Filter by program</a:t>
+            </a:r>
+            <a:endParaRPr lang="zh-CN" altLang="en-US" dirty="0"/>
+          </a:p>
+        </p:txBody>
+      </p:sp>
+      <p:cxnSp>
+        <p:nvCxnSpPr>
+          <p:cNvPr id="48" name="直接连接符 47"/>
+          <p:cNvCxnSpPr>
+            <a:stCxn id="44" idx="1"/>
+          </p:cNvCxnSpPr>
+          <p:nvPr/>
+        </p:nvCxnSpPr>
+        <p:spPr>
+          <a:xfrm flipH="1">
+            <a:off x="2799902" y="4171281"/>
+            <a:ext cx="335749" cy="0"/>
+          </a:xfrm>
+          <a:prstGeom prst="line">
+            <a:avLst/>
+          </a:prstGeom>
+        </p:spPr>
+        <p:style>
+          <a:lnRef idx="1">
+            <a:schemeClr val="accent1"/>
+          </a:lnRef>
+          <a:fillRef idx="0">
+            <a:schemeClr val="accent1"/>
+          </a:fillRef>
+          <a:effectRef idx="0">
+            <a:schemeClr val="accent1"/>
+          </a:effectRef>
+          <a:fontRef idx="minor">
+            <a:schemeClr val="tx1"/>
+          </a:fontRef>
+        </p:style>
+      </p:cxnSp>
+      <p:sp>
+        <p:nvSpPr>
+          <p:cNvPr id="51" name="TextBox 50"/>
+          <p:cNvSpPr txBox="1"/>
+          <p:nvPr/>
+        </p:nvSpPr>
+        <p:spPr>
+          <a:xfrm>
+            <a:off x="205177" y="6205954"/>
+            <a:ext cx="8697317" cy="369332"/>
+          </a:xfrm>
+          <a:prstGeom prst="rect">
+            <a:avLst/>
+          </a:prstGeom>
+          <a:noFill/>
+        </p:spPr>
+        <p:txBody>
+          <a:bodyPr wrap="none" rtlCol="0">
+            <a:spAutoFit/>
+          </a:bodyPr>
+          <a:lstStyle/>
+          <a:p>
+            <a:r>
+              <a:rPr lang="en-US" altLang="zh-CN" dirty="0" smtClean="0"/>
+              <a:t>Be careful: the user filter must apply prior the program filter. Or the program filter will reset</a:t>
+            </a:r>
+            <a:endParaRPr lang="zh-CN" altLang="en-US" dirty="0"/>
+          </a:p>
+        </p:txBody>
+      </p:sp>
+    </p:spTree>
+    <p:extLst>
+      <p:ext uri="{BB962C8B-B14F-4D97-AF65-F5344CB8AC3E}">
+        <p14:creationId xmlns:p14="http://schemas.microsoft.com/office/powerpoint/2010/main" val="1435173744"/>
+      </p:ext>
+    </p:extLst>
+  </p:cSld>
+  <p:clrMapOvr>
+    <a:masterClrMapping/>
+  </p:clrMapOvr>
+</p:sld>
+</file>
+
+<file path=ppt/slides/slide4.xml><?xml version="1.0" encoding="utf-8"?>
+<p:sld xmlns:a="http://schemas.openxmlformats.org/drawingml/2006/main" xmlns:r="http://schemas.openxmlformats.org/officeDocument/2006/relationships" xmlns:p="http://schemas.openxmlformats.org/presentationml/2006/main">
+  <p:cSld>
+    <p:spTree>
+      <p:nvGrpSpPr>
+        <p:cNvPr id="1" name=""/>
+        <p:cNvGrpSpPr/>
+        <p:nvPr/>
+      </p:nvGrpSpPr>
+      <p:grpSpPr>
+        <a:xfrm>
+          <a:off x="0" y="0"/>
+          <a:ext cx="0" cy="0"/>
+          <a:chOff x="0" y="0"/>
+          <a:chExt cx="0" cy="0"/>
+        </a:xfrm>
+      </p:grpSpPr>
+      <p:sp>
+        <p:nvSpPr>
+          <p:cNvPr id="5" name="TextBox 4"/>
+          <p:cNvSpPr txBox="1"/>
+          <p:nvPr/>
+        </p:nvSpPr>
+        <p:spPr>
+          <a:xfrm>
+            <a:off x="1516524" y="4645655"/>
+            <a:ext cx="1104661" cy="369332"/>
+          </a:xfrm>
+          <a:prstGeom prst="rect">
+            <a:avLst/>
+          </a:prstGeom>
+          <a:noFill/>
+        </p:spPr>
+        <p:txBody>
+          <a:bodyPr wrap="none" rtlCol="0">
+            <a:spAutoFit/>
+          </a:bodyPr>
+          <a:lstStyle/>
+          <a:p>
+            <a:r>
+              <a:rPr lang="en-US" altLang="zh-CN" dirty="0" smtClean="0"/>
+              <a:t>Has data?</a:t>
+            </a:r>
+            <a:endParaRPr lang="zh-CN" altLang="en-US" dirty="0"/>
+          </a:p>
+        </p:txBody>
+      </p:sp>
+      <p:sp>
+        <p:nvSpPr>
+          <p:cNvPr id="6" name="TextBox 5"/>
+          <p:cNvSpPr txBox="1"/>
+          <p:nvPr/>
+        </p:nvSpPr>
+        <p:spPr>
+          <a:xfrm>
+            <a:off x="1631469" y="2852936"/>
+            <a:ext cx="1347485" cy="369332"/>
+          </a:xfrm>
+          <a:prstGeom prst="rect">
+            <a:avLst/>
+          </a:prstGeom>
+          <a:noFill/>
+        </p:spPr>
+        <p:txBody>
+          <a:bodyPr wrap="none" rtlCol="0">
+            <a:spAutoFit/>
+          </a:bodyPr>
+          <a:lstStyle/>
+          <a:p>
+            <a:r>
+              <a:rPr lang="en-US" altLang="zh-CN" dirty="0" smtClean="0"/>
+              <a:t>Raw/blast7?</a:t>
+            </a:r>
+            <a:endParaRPr lang="zh-CN" altLang="en-US" dirty="0"/>
+          </a:p>
+        </p:txBody>
+      </p:sp>
+      <p:sp>
+        <p:nvSpPr>
+          <p:cNvPr id="7" name="TextBox 6"/>
+          <p:cNvSpPr txBox="1"/>
+          <p:nvPr/>
+        </p:nvSpPr>
+        <p:spPr>
+          <a:xfrm>
+            <a:off x="3200864" y="4681206"/>
+            <a:ext cx="783933" cy="369332"/>
+          </a:xfrm>
+          <a:prstGeom prst="rect">
+            <a:avLst/>
+          </a:prstGeom>
+          <a:noFill/>
+        </p:spPr>
+        <p:txBody>
+          <a:bodyPr wrap="none" rtlCol="0">
+            <a:spAutoFit/>
+          </a:bodyPr>
+          <a:lstStyle/>
+          <a:p>
+            <a:r>
+              <a:rPr lang="en-US" altLang="zh-CN" dirty="0" smtClean="0"/>
+              <a:t>merge</a:t>
+            </a:r>
+            <a:endParaRPr lang="zh-CN" altLang="en-US" dirty="0"/>
+          </a:p>
+        </p:txBody>
+      </p:sp>
+      <p:cxnSp>
+        <p:nvCxnSpPr>
+          <p:cNvPr id="10" name="直接箭头连接符 9"/>
+          <p:cNvCxnSpPr>
+            <a:stCxn id="5" idx="3"/>
+            <a:endCxn id="7" idx="1"/>
+          </p:cNvCxnSpPr>
+          <p:nvPr/>
+        </p:nvCxnSpPr>
+        <p:spPr>
+          <a:xfrm>
+            <a:off x="2621185" y="4830321"/>
+            <a:ext cx="579679" cy="35551"/>
+          </a:xfrm>
+          <a:prstGeom prst="straightConnector1">
+            <a:avLst/>
+          </a:prstGeom>
+          <a:ln>
+            <a:tailEnd type="arrow"/>
+          </a:ln>
+        </p:spPr>
+        <p:style>
+          <a:lnRef idx="1">
+            <a:schemeClr val="accent1"/>
+          </a:lnRef>
+          <a:fillRef idx="0">
+            <a:schemeClr val="accent1"/>
+          </a:fillRef>
+          <a:effectRef idx="0">
+            <a:schemeClr val="accent1"/>
+          </a:effectRef>
+          <a:fontRef idx="minor">
+            <a:schemeClr val="tx1"/>
+          </a:fontRef>
+        </p:style>
+      </p:cxnSp>
+      <p:cxnSp>
+        <p:nvCxnSpPr>
+          <p:cNvPr id="12" name="直接箭头连接符 11"/>
+          <p:cNvCxnSpPr>
+            <a:stCxn id="5" idx="2"/>
+            <a:endCxn id="43" idx="0"/>
+          </p:cNvCxnSpPr>
+          <p:nvPr/>
+        </p:nvCxnSpPr>
+        <p:spPr>
+          <a:xfrm flipH="1">
+            <a:off x="2061038" y="5014987"/>
+            <a:ext cx="7817" cy="636969"/>
+          </a:xfrm>
+          <a:prstGeom prst="straightConnector1">
+            <a:avLst/>
+          </a:prstGeom>
+          <a:ln>
+            <a:tailEnd type="arrow"/>
+          </a:ln>
+        </p:spPr>
+        <p:style>
+          <a:lnRef idx="1">
+            <a:schemeClr val="accent1"/>
+          </a:lnRef>
+          <a:fillRef idx="0">
+            <a:schemeClr val="accent1"/>
+          </a:fillRef>
+          <a:effectRef idx="0">
+            <a:schemeClr val="accent1"/>
+          </a:effectRef>
+          <a:fontRef idx="minor">
+            <a:schemeClr val="tx1"/>
+          </a:fontRef>
+        </p:style>
+      </p:cxnSp>
+      <p:cxnSp>
+        <p:nvCxnSpPr>
+          <p:cNvPr id="14" name="直接箭头连接符 13"/>
+          <p:cNvCxnSpPr>
+            <a:stCxn id="7" idx="2"/>
+            <a:endCxn id="43" idx="0"/>
+          </p:cNvCxnSpPr>
+          <p:nvPr/>
+        </p:nvCxnSpPr>
+        <p:spPr>
+          <a:xfrm flipH="1">
+            <a:off x="2061038" y="5050538"/>
+            <a:ext cx="1531793" cy="601418"/>
+          </a:xfrm>
+          <a:prstGeom prst="straightConnector1">
+            <a:avLst/>
+          </a:prstGeom>
+          <a:ln>
+            <a:tailEnd type="arrow"/>
+          </a:ln>
+        </p:spPr>
+        <p:style>
+          <a:lnRef idx="1">
+            <a:schemeClr val="accent1"/>
+          </a:lnRef>
+          <a:fillRef idx="0">
+            <a:schemeClr val="accent1"/>
+          </a:fillRef>
+          <a:effectRef idx="0">
+            <a:schemeClr val="accent1"/>
+          </a:effectRef>
+          <a:fontRef idx="minor">
+            <a:schemeClr val="tx1"/>
+          </a:fontRef>
+        </p:style>
+      </p:cxnSp>
+      <p:sp>
+        <p:nvSpPr>
+          <p:cNvPr id="19" name="TextBox 18"/>
+          <p:cNvSpPr txBox="1"/>
+          <p:nvPr/>
+        </p:nvSpPr>
+        <p:spPr>
+          <a:xfrm>
+            <a:off x="2724333" y="3645024"/>
+            <a:ext cx="751168" cy="369332"/>
+          </a:xfrm>
+          <a:prstGeom prst="rect">
+            <a:avLst/>
+          </a:prstGeom>
+          <a:noFill/>
+        </p:spPr>
+        <p:txBody>
+          <a:bodyPr wrap="none" rtlCol="0">
+            <a:spAutoFit/>
+          </a:bodyPr>
+          <a:lstStyle/>
+          <a:p>
+            <a:r>
+              <a:rPr lang="en-US" altLang="zh-CN" dirty="0" smtClean="0"/>
+              <a:t>blast7</a:t>
+            </a:r>
+            <a:endParaRPr lang="zh-CN" altLang="en-US" dirty="0"/>
+          </a:p>
+        </p:txBody>
+      </p:sp>
+      <p:sp>
+        <p:nvSpPr>
+          <p:cNvPr id="20" name="TextBox 19"/>
+          <p:cNvSpPr txBox="1"/>
+          <p:nvPr/>
+        </p:nvSpPr>
+        <p:spPr>
+          <a:xfrm>
+            <a:off x="880301" y="3563674"/>
+            <a:ext cx="534185" cy="369332"/>
+          </a:xfrm>
+          <a:prstGeom prst="rect">
+            <a:avLst/>
+          </a:prstGeom>
+          <a:noFill/>
+        </p:spPr>
+        <p:txBody>
+          <a:bodyPr wrap="none" rtlCol="0">
+            <a:spAutoFit/>
+          </a:bodyPr>
+          <a:lstStyle/>
+          <a:p>
+            <a:r>
+              <a:rPr lang="en-US" altLang="zh-CN" dirty="0" smtClean="0"/>
+              <a:t>raw</a:t>
+            </a:r>
+            <a:endParaRPr lang="zh-CN" altLang="en-US" dirty="0"/>
+          </a:p>
+        </p:txBody>
+      </p:sp>
+      <p:cxnSp>
+        <p:nvCxnSpPr>
+          <p:cNvPr id="22" name="直接箭头连接符 21"/>
+          <p:cNvCxnSpPr>
+            <a:stCxn id="6" idx="2"/>
+            <a:endCxn id="20" idx="0"/>
+          </p:cNvCxnSpPr>
+          <p:nvPr/>
+        </p:nvCxnSpPr>
+        <p:spPr>
+          <a:xfrm flipH="1">
+            <a:off x="1147394" y="3222268"/>
+            <a:ext cx="1157818" cy="341406"/>
+          </a:xfrm>
+          <a:prstGeom prst="straightConnector1">
+            <a:avLst/>
+          </a:prstGeom>
+          <a:ln>
+            <a:tailEnd type="arrow"/>
+          </a:ln>
+        </p:spPr>
+        <p:style>
+          <a:lnRef idx="1">
+            <a:schemeClr val="accent1"/>
+          </a:lnRef>
+          <a:fillRef idx="0">
+            <a:schemeClr val="accent1"/>
+          </a:fillRef>
+          <a:effectRef idx="0">
+            <a:schemeClr val="accent1"/>
+          </a:effectRef>
+          <a:fontRef idx="minor">
+            <a:schemeClr val="tx1"/>
+          </a:fontRef>
+        </p:style>
+      </p:cxnSp>
+      <p:cxnSp>
+        <p:nvCxnSpPr>
+          <p:cNvPr id="25" name="直接箭头连接符 24"/>
+          <p:cNvCxnSpPr>
+            <a:stCxn id="6" idx="2"/>
+            <a:endCxn id="19" idx="0"/>
+          </p:cNvCxnSpPr>
+          <p:nvPr/>
+        </p:nvCxnSpPr>
+        <p:spPr>
+          <a:xfrm>
+            <a:off x="2305212" y="3222268"/>
+            <a:ext cx="794705" cy="422756"/>
+          </a:xfrm>
+          <a:prstGeom prst="straightConnector1">
+            <a:avLst/>
+          </a:prstGeom>
+          <a:ln>
+            <a:tailEnd type="arrow"/>
+          </a:ln>
+        </p:spPr>
+        <p:style>
+          <a:lnRef idx="1">
+            <a:schemeClr val="accent1"/>
+          </a:lnRef>
+          <a:fillRef idx="0">
+            <a:schemeClr val="accent1"/>
+          </a:fillRef>
+          <a:effectRef idx="0">
+            <a:schemeClr val="accent1"/>
+          </a:effectRef>
+          <a:fontRef idx="minor">
+            <a:schemeClr val="tx1"/>
+          </a:fontRef>
+        </p:style>
+      </p:cxnSp>
+      <p:cxnSp>
+        <p:nvCxnSpPr>
+          <p:cNvPr id="28" name="直接箭头连接符 27"/>
+          <p:cNvCxnSpPr>
+            <a:stCxn id="20" idx="2"/>
+            <a:endCxn id="5" idx="0"/>
+          </p:cNvCxnSpPr>
+          <p:nvPr/>
+        </p:nvCxnSpPr>
+        <p:spPr>
+          <a:xfrm>
+            <a:off x="1147394" y="3933006"/>
+            <a:ext cx="921461" cy="712649"/>
+          </a:xfrm>
+          <a:prstGeom prst="straightConnector1">
+            <a:avLst/>
+          </a:prstGeom>
+          <a:ln>
+            <a:tailEnd type="arrow"/>
+          </a:ln>
+        </p:spPr>
+        <p:style>
+          <a:lnRef idx="1">
+            <a:schemeClr val="accent1"/>
+          </a:lnRef>
+          <a:fillRef idx="0">
+            <a:schemeClr val="accent1"/>
+          </a:fillRef>
+          <a:effectRef idx="0">
+            <a:schemeClr val="accent1"/>
+          </a:effectRef>
+          <a:fontRef idx="minor">
+            <a:schemeClr val="tx1"/>
+          </a:fontRef>
+        </p:style>
+      </p:cxnSp>
+      <p:cxnSp>
+        <p:nvCxnSpPr>
+          <p:cNvPr id="30" name="直接箭头连接符 29"/>
+          <p:cNvCxnSpPr>
+            <a:stCxn id="19" idx="2"/>
+            <a:endCxn id="5" idx="0"/>
+          </p:cNvCxnSpPr>
+          <p:nvPr/>
+        </p:nvCxnSpPr>
+        <p:spPr>
+          <a:xfrm flipH="1">
+            <a:off x="2068855" y="4014356"/>
+            <a:ext cx="1031062" cy="631299"/>
+          </a:xfrm>
+          <a:prstGeom prst="straightConnector1">
+            <a:avLst/>
+          </a:prstGeom>
+          <a:ln>
+            <a:tailEnd type="arrow"/>
+          </a:ln>
+        </p:spPr>
+        <p:style>
+          <a:lnRef idx="1">
+            <a:schemeClr val="accent1"/>
+          </a:lnRef>
+          <a:fillRef idx="0">
+            <a:schemeClr val="accent1"/>
+          </a:fillRef>
+          <a:effectRef idx="0">
+            <a:schemeClr val="accent1"/>
+          </a:effectRef>
+          <a:fontRef idx="minor">
+            <a:schemeClr val="tx1"/>
+          </a:fontRef>
+        </p:style>
+      </p:cxnSp>
+      <p:sp>
+        <p:nvSpPr>
+          <p:cNvPr id="43" name="TextBox 42"/>
+          <p:cNvSpPr txBox="1"/>
+          <p:nvPr/>
+        </p:nvSpPr>
+        <p:spPr>
+          <a:xfrm>
+            <a:off x="1520505" y="5651956"/>
+            <a:ext cx="1081065" cy="369332"/>
+          </a:xfrm>
+          <a:prstGeom prst="rect">
+            <a:avLst/>
+          </a:prstGeom>
+          <a:noFill/>
+        </p:spPr>
+        <p:txBody>
+          <a:bodyPr wrap="none" rtlCol="0">
+            <a:spAutoFit/>
+          </a:bodyPr>
+          <a:lstStyle/>
+          <a:p>
+            <a:r>
+              <a:rPr lang="en-US" altLang="zh-CN" dirty="0" smtClean="0"/>
+              <a:t>New data</a:t>
+            </a:r>
+            <a:endParaRPr lang="zh-CN" altLang="en-US" dirty="0"/>
+          </a:p>
+        </p:txBody>
+      </p:sp>
+    </p:spTree>
+    <p:extLst>
+      <p:ext uri="{BB962C8B-B14F-4D97-AF65-F5344CB8AC3E}">
+        <p14:creationId xmlns:p14="http://schemas.microsoft.com/office/powerpoint/2010/main" val="4136356047"/>
       </p:ext>
     </p:extLst>
   </p:cSld>

--- a/doc/scheme_and_procedure.pptx
+++ b/doc/scheme_and_procedure.pptx
@@ -4596,8 +4596,8 @@
         </p:nvSpPr>
         <p:spPr>
           <a:xfrm>
-            <a:off x="1631469" y="2852936"/>
-            <a:ext cx="1347485" cy="369332"/>
+            <a:off x="847750" y="3547616"/>
+            <a:ext cx="2418611" cy="369332"/>
           </a:xfrm>
           <a:prstGeom prst="rect">
             <a:avLst/>
@@ -4612,7 +4612,7 @@
           <a:p>
             <a:r>
               <a:rPr lang="en-US" altLang="zh-CN" dirty="0" smtClean="0"/>
-              <a:t>Raw/blast7?</a:t>
+              <a:t>Input(fa,seq,ab1,blast7)</a:t>
             </a:r>
             <a:endParaRPr lang="zh-CN" altLang="en-US" dirty="0"/>
           </a:p>
@@ -4626,7 +4626,7 @@
         </p:nvSpPr>
         <p:spPr>
           <a:xfrm>
-            <a:off x="3200864" y="4681206"/>
+            <a:off x="3972021" y="4636164"/>
             <a:ext cx="783933" cy="369332"/>
           </a:xfrm>
           <a:prstGeom prst="rect">
@@ -4658,9 +4658,9 @@
           <p:nvPr/>
         </p:nvCxnSpPr>
         <p:spPr>
-          <a:xfrm>
-            <a:off x="2621185" y="4830321"/>
-            <a:ext cx="579679" cy="35551"/>
+          <a:xfrm flipV="1">
+            <a:off x="2621185" y="4820830"/>
+            <a:ext cx="1350836" cy="9491"/>
           </a:xfrm>
           <a:prstGeom prst="straightConnector1">
             <a:avLst/>
@@ -4695,8 +4695,8 @@
         </p:nvCxnSpPr>
         <p:spPr>
           <a:xfrm flipH="1">
-            <a:off x="2061038" y="5014987"/>
-            <a:ext cx="7817" cy="636969"/>
+            <a:off x="2057057" y="5014987"/>
+            <a:ext cx="11798" cy="653865"/>
           </a:xfrm>
           <a:prstGeom prst="straightConnector1">
             <a:avLst/>
@@ -4731,8 +4731,8 @@
         </p:nvCxnSpPr>
         <p:spPr>
           <a:xfrm flipH="1">
-            <a:off x="2061038" y="5050538"/>
-            <a:ext cx="1531793" cy="601418"/>
+            <a:off x="2057057" y="5005496"/>
+            <a:ext cx="2306931" cy="663356"/>
           </a:xfrm>
           <a:prstGeom prst="straightConnector1">
             <a:avLst/>
@@ -4764,7 +4764,7 @@
         </p:nvSpPr>
         <p:spPr>
           <a:xfrm>
-            <a:off x="2724333" y="3645024"/>
+            <a:off x="2825280" y="5351247"/>
             <a:ext cx="751168" cy="369332"/>
           </a:xfrm>
           <a:prstGeom prst="rect">
@@ -4786,49 +4786,19 @@
           </a:p>
         </p:txBody>
       </p:sp>
-      <p:sp>
-        <p:nvSpPr>
-          <p:cNvPr id="20" name="TextBox 19"/>
-          <p:cNvSpPr txBox="1"/>
-          <p:nvPr/>
-        </p:nvSpPr>
-        <p:spPr>
-          <a:xfrm>
-            <a:off x="880301" y="3563674"/>
-            <a:ext cx="534185" cy="369332"/>
-          </a:xfrm>
-          <a:prstGeom prst="rect">
-            <a:avLst/>
-          </a:prstGeom>
-          <a:noFill/>
-        </p:spPr>
-        <p:txBody>
-          <a:bodyPr wrap="none" rtlCol="0">
-            <a:spAutoFit/>
-          </a:bodyPr>
-          <a:lstStyle/>
-          <a:p>
-            <a:r>
-              <a:rPr lang="en-US" altLang="zh-CN" dirty="0" smtClean="0"/>
-              <a:t>raw</a:t>
-            </a:r>
-            <a:endParaRPr lang="zh-CN" altLang="en-US" dirty="0"/>
-          </a:p>
-        </p:txBody>
-      </p:sp>
       <p:cxnSp>
         <p:nvCxnSpPr>
-          <p:cNvPr id="22" name="直接箭头连接符 21"/>
+          <p:cNvPr id="28" name="直接箭头连接符 27"/>
           <p:cNvCxnSpPr>
             <a:stCxn id="6" idx="2"/>
-            <a:endCxn id="20" idx="0"/>
+            <a:endCxn id="5" idx="0"/>
           </p:cNvCxnSpPr>
           <p:nvPr/>
         </p:nvCxnSpPr>
         <p:spPr>
-          <a:xfrm flipH="1">
-            <a:off x="1147394" y="3222268"/>
-            <a:ext cx="1157818" cy="341406"/>
+          <a:xfrm>
+            <a:off x="2057056" y="3916948"/>
+            <a:ext cx="11799" cy="728707"/>
           </a:xfrm>
           <a:prstGeom prst="straightConnector1">
             <a:avLst/>
@@ -4852,114 +4822,6 @@
           </a:fontRef>
         </p:style>
       </p:cxnSp>
-      <p:cxnSp>
-        <p:nvCxnSpPr>
-          <p:cNvPr id="25" name="直接箭头连接符 24"/>
-          <p:cNvCxnSpPr>
-            <a:stCxn id="6" idx="2"/>
-            <a:endCxn id="19" idx="0"/>
-          </p:cNvCxnSpPr>
-          <p:nvPr/>
-        </p:nvCxnSpPr>
-        <p:spPr>
-          <a:xfrm>
-            <a:off x="2305212" y="3222268"/>
-            <a:ext cx="794705" cy="422756"/>
-          </a:xfrm>
-          <a:prstGeom prst="straightConnector1">
-            <a:avLst/>
-          </a:prstGeom>
-          <a:ln>
-            <a:tailEnd type="arrow"/>
-          </a:ln>
-        </p:spPr>
-        <p:style>
-          <a:lnRef idx="1">
-            <a:schemeClr val="accent1"/>
-          </a:lnRef>
-          <a:fillRef idx="0">
-            <a:schemeClr val="accent1"/>
-          </a:fillRef>
-          <a:effectRef idx="0">
-            <a:schemeClr val="accent1"/>
-          </a:effectRef>
-          <a:fontRef idx="minor">
-            <a:schemeClr val="tx1"/>
-          </a:fontRef>
-        </p:style>
-      </p:cxnSp>
-      <p:cxnSp>
-        <p:nvCxnSpPr>
-          <p:cNvPr id="28" name="直接箭头连接符 27"/>
-          <p:cNvCxnSpPr>
-            <a:stCxn id="20" idx="2"/>
-            <a:endCxn id="5" idx="0"/>
-          </p:cNvCxnSpPr>
-          <p:nvPr/>
-        </p:nvCxnSpPr>
-        <p:spPr>
-          <a:xfrm>
-            <a:off x="1147394" y="3933006"/>
-            <a:ext cx="921461" cy="712649"/>
-          </a:xfrm>
-          <a:prstGeom prst="straightConnector1">
-            <a:avLst/>
-          </a:prstGeom>
-          <a:ln>
-            <a:tailEnd type="arrow"/>
-          </a:ln>
-        </p:spPr>
-        <p:style>
-          <a:lnRef idx="1">
-            <a:schemeClr val="accent1"/>
-          </a:lnRef>
-          <a:fillRef idx="0">
-            <a:schemeClr val="accent1"/>
-          </a:fillRef>
-          <a:effectRef idx="0">
-            <a:schemeClr val="accent1"/>
-          </a:effectRef>
-          <a:fontRef idx="minor">
-            <a:schemeClr val="tx1"/>
-          </a:fontRef>
-        </p:style>
-      </p:cxnSp>
-      <p:cxnSp>
-        <p:nvCxnSpPr>
-          <p:cNvPr id="30" name="直接箭头连接符 29"/>
-          <p:cNvCxnSpPr>
-            <a:stCxn id="19" idx="2"/>
-            <a:endCxn id="5" idx="0"/>
-          </p:cNvCxnSpPr>
-          <p:nvPr/>
-        </p:nvCxnSpPr>
-        <p:spPr>
-          <a:xfrm flipH="1">
-            <a:off x="2068855" y="4014356"/>
-            <a:ext cx="1031062" cy="631299"/>
-          </a:xfrm>
-          <a:prstGeom prst="straightConnector1">
-            <a:avLst/>
-          </a:prstGeom>
-          <a:ln>
-            <a:tailEnd type="arrow"/>
-          </a:ln>
-        </p:spPr>
-        <p:style>
-          <a:lnRef idx="1">
-            <a:schemeClr val="accent1"/>
-          </a:lnRef>
-          <a:fillRef idx="0">
-            <a:schemeClr val="accent1"/>
-          </a:fillRef>
-          <a:effectRef idx="0">
-            <a:schemeClr val="accent1"/>
-          </a:effectRef>
-          <a:fontRef idx="minor">
-            <a:schemeClr val="tx1"/>
-          </a:fontRef>
-        </p:style>
-      </p:cxnSp>
       <p:sp>
         <p:nvSpPr>
           <p:cNvPr id="43" name="TextBox 42"/>
@@ -4968,7 +4830,7 @@
         </p:nvSpPr>
         <p:spPr>
           <a:xfrm>
-            <a:off x="1520505" y="5651956"/>
+            <a:off x="1516524" y="5668852"/>
             <a:ext cx="1081065" cy="369332"/>
           </a:xfrm>
           <a:prstGeom prst="rect">
@@ -4985,6 +4847,66 @@
             <a:r>
               <a:rPr lang="en-US" altLang="zh-CN" dirty="0" smtClean="0"/>
               <a:t>New data</a:t>
+            </a:r>
+            <a:endParaRPr lang="zh-CN" altLang="en-US" dirty="0"/>
+          </a:p>
+        </p:txBody>
+      </p:sp>
+      <p:sp>
+        <p:nvSpPr>
+          <p:cNvPr id="13" name="TextBox 12"/>
+          <p:cNvSpPr txBox="1"/>
+          <p:nvPr/>
+        </p:nvSpPr>
+        <p:spPr>
+          <a:xfrm>
+            <a:off x="1646415" y="5067078"/>
+            <a:ext cx="428322" cy="369332"/>
+          </a:xfrm>
+          <a:prstGeom prst="rect">
+            <a:avLst/>
+          </a:prstGeom>
+          <a:noFill/>
+        </p:spPr>
+        <p:txBody>
+          <a:bodyPr wrap="none" rtlCol="0">
+            <a:spAutoFit/>
+          </a:bodyPr>
+          <a:lstStyle/>
+          <a:p>
+            <a:r>
+              <a:rPr lang="en-US" altLang="zh-CN" dirty="0" smtClean="0"/>
+              <a:t>no</a:t>
+            </a:r>
+            <a:endParaRPr lang="zh-CN" altLang="en-US" dirty="0"/>
+          </a:p>
+        </p:txBody>
+      </p:sp>
+      <p:sp>
+        <p:nvSpPr>
+          <p:cNvPr id="23" name="TextBox 22"/>
+          <p:cNvSpPr txBox="1"/>
+          <p:nvPr/>
+        </p:nvSpPr>
+        <p:spPr>
+          <a:xfrm>
+            <a:off x="3050990" y="4449129"/>
+            <a:ext cx="491225" cy="369332"/>
+          </a:xfrm>
+          <a:prstGeom prst="rect">
+            <a:avLst/>
+          </a:prstGeom>
+          <a:noFill/>
+        </p:spPr>
+        <p:txBody>
+          <a:bodyPr wrap="none" rtlCol="0">
+            <a:spAutoFit/>
+          </a:bodyPr>
+          <a:lstStyle/>
+          <a:p>
+            <a:r>
+              <a:rPr lang="en-US" altLang="zh-CN" dirty="0" smtClean="0"/>
+              <a:t>yes</a:t>
             </a:r>
             <a:endParaRPr lang="zh-CN" altLang="en-US" dirty="0"/>
           </a:p>

--- a/doc/scheme_and_procedure.pptx
+++ b/doc/scheme_and_procedure.pptx
@@ -9,6 +9,7 @@
     <p:sldId id="257" r:id="rId3"/>
     <p:sldId id="258" r:id="rId4"/>
     <p:sldId id="259" r:id="rId5"/>
+    <p:sldId id="260" r:id="rId6"/>
   </p:sldIdLst>
   <p:sldSz cx="9144000" cy="6858000" type="screen4x3"/>
   <p:notesSz cx="6858000" cy="9144000"/>
@@ -291,7 +292,7 @@
           <a:p>
             <a:fld id="{FEDA596D-284E-4434-AB27-B201FA23FEAE}" type="datetimeFigureOut">
               <a:rPr lang="zh-CN" altLang="en-US" smtClean="0"/>
-              <a:t>2016/1/3</a:t>
+              <a:t>2016/1/30</a:t>
             </a:fld>
             <a:endParaRPr lang="zh-CN" altLang="en-US"/>
           </a:p>
@@ -461,7 +462,7 @@
           <a:p>
             <a:fld id="{FEDA596D-284E-4434-AB27-B201FA23FEAE}" type="datetimeFigureOut">
               <a:rPr lang="zh-CN" altLang="en-US" smtClean="0"/>
-              <a:t>2016/1/3</a:t>
+              <a:t>2016/1/30</a:t>
             </a:fld>
             <a:endParaRPr lang="zh-CN" altLang="en-US"/>
           </a:p>
@@ -641,7 +642,7 @@
           <a:p>
             <a:fld id="{FEDA596D-284E-4434-AB27-B201FA23FEAE}" type="datetimeFigureOut">
               <a:rPr lang="zh-CN" altLang="en-US" smtClean="0"/>
-              <a:t>2016/1/3</a:t>
+              <a:t>2016/1/30</a:t>
             </a:fld>
             <a:endParaRPr lang="zh-CN" altLang="en-US"/>
           </a:p>
@@ -811,7 +812,7 @@
           <a:p>
             <a:fld id="{FEDA596D-284E-4434-AB27-B201FA23FEAE}" type="datetimeFigureOut">
               <a:rPr lang="zh-CN" altLang="en-US" smtClean="0"/>
-              <a:t>2016/1/3</a:t>
+              <a:t>2016/1/30</a:t>
             </a:fld>
             <a:endParaRPr lang="zh-CN" altLang="en-US"/>
           </a:p>
@@ -1057,7 +1058,7 @@
           <a:p>
             <a:fld id="{FEDA596D-284E-4434-AB27-B201FA23FEAE}" type="datetimeFigureOut">
               <a:rPr lang="zh-CN" altLang="en-US" smtClean="0"/>
-              <a:t>2016/1/3</a:t>
+              <a:t>2016/1/30</a:t>
             </a:fld>
             <a:endParaRPr lang="zh-CN" altLang="en-US"/>
           </a:p>
@@ -1345,7 +1346,7 @@
           <a:p>
             <a:fld id="{FEDA596D-284E-4434-AB27-B201FA23FEAE}" type="datetimeFigureOut">
               <a:rPr lang="zh-CN" altLang="en-US" smtClean="0"/>
-              <a:t>2016/1/3</a:t>
+              <a:t>2016/1/30</a:t>
             </a:fld>
             <a:endParaRPr lang="zh-CN" altLang="en-US"/>
           </a:p>
@@ -1767,7 +1768,7 @@
           <a:p>
             <a:fld id="{FEDA596D-284E-4434-AB27-B201FA23FEAE}" type="datetimeFigureOut">
               <a:rPr lang="zh-CN" altLang="en-US" smtClean="0"/>
-              <a:t>2016/1/3</a:t>
+              <a:t>2016/1/30</a:t>
             </a:fld>
             <a:endParaRPr lang="zh-CN" altLang="en-US"/>
           </a:p>
@@ -1885,7 +1886,7 @@
           <a:p>
             <a:fld id="{FEDA596D-284E-4434-AB27-B201FA23FEAE}" type="datetimeFigureOut">
               <a:rPr lang="zh-CN" altLang="en-US" smtClean="0"/>
-              <a:t>2016/1/3</a:t>
+              <a:t>2016/1/30</a:t>
             </a:fld>
             <a:endParaRPr lang="zh-CN" altLang="en-US"/>
           </a:p>
@@ -1980,7 +1981,7 @@
           <a:p>
             <a:fld id="{FEDA596D-284E-4434-AB27-B201FA23FEAE}" type="datetimeFigureOut">
               <a:rPr lang="zh-CN" altLang="en-US" smtClean="0"/>
-              <a:t>2016/1/3</a:t>
+              <a:t>2016/1/30</a:t>
             </a:fld>
             <a:endParaRPr lang="zh-CN" altLang="en-US"/>
           </a:p>
@@ -2257,7 +2258,7 @@
           <a:p>
             <a:fld id="{FEDA596D-284E-4434-AB27-B201FA23FEAE}" type="datetimeFigureOut">
               <a:rPr lang="zh-CN" altLang="en-US" smtClean="0"/>
-              <a:t>2016/1/3</a:t>
+              <a:t>2016/1/30</a:t>
             </a:fld>
             <a:endParaRPr lang="zh-CN" altLang="en-US"/>
           </a:p>
@@ -2510,7 +2511,7 @@
           <a:p>
             <a:fld id="{FEDA596D-284E-4434-AB27-B201FA23FEAE}" type="datetimeFigureOut">
               <a:rPr lang="zh-CN" altLang="en-US" smtClean="0"/>
-              <a:t>2016/1/3</a:t>
+              <a:t>2016/1/30</a:t>
             </a:fld>
             <a:endParaRPr lang="zh-CN" altLang="en-US"/>
           </a:p>
@@ -2723,7 +2724,7 @@
           <a:p>
             <a:fld id="{FEDA596D-284E-4434-AB27-B201FA23FEAE}" type="datetimeFigureOut">
               <a:rPr lang="zh-CN" altLang="en-US" smtClean="0"/>
-              <a:t>2016/1/3</a:t>
+              <a:t>2016/1/30</a:t>
             </a:fld>
             <a:endParaRPr lang="zh-CN" altLang="en-US"/>
           </a:p>
@@ -4916,6 +4917,148 @@
     <p:extLst>
       <p:ext uri="{BB962C8B-B14F-4D97-AF65-F5344CB8AC3E}">
         <p14:creationId xmlns:p14="http://schemas.microsoft.com/office/powerpoint/2010/main" val="4136356047"/>
+      </p:ext>
+    </p:extLst>
+  </p:cSld>
+  <p:clrMapOvr>
+    <a:masterClrMapping/>
+  </p:clrMapOvr>
+</p:sld>
+</file>
+
+<file path=ppt/slides/slide5.xml><?xml version="1.0" encoding="utf-8"?>
+<p:sld xmlns:a="http://schemas.openxmlformats.org/drawingml/2006/main" xmlns:r="http://schemas.openxmlformats.org/officeDocument/2006/relationships" xmlns:p="http://schemas.openxmlformats.org/presentationml/2006/main">
+  <p:cSld>
+    <p:spTree>
+      <p:nvGrpSpPr>
+        <p:cNvPr id="1" name=""/>
+        <p:cNvGrpSpPr/>
+        <p:nvPr/>
+      </p:nvGrpSpPr>
+      <p:grpSpPr>
+        <a:xfrm>
+          <a:off x="0" y="0"/>
+          <a:ext cx="0" cy="0"/>
+          <a:chOff x="0" y="0"/>
+          <a:chExt cx="0" cy="0"/>
+        </a:xfrm>
+      </p:grpSpPr>
+      <p:sp>
+        <p:nvSpPr>
+          <p:cNvPr id="2" name="标题 1"/>
+          <p:cNvSpPr>
+            <a:spLocks noGrp="1"/>
+          </p:cNvSpPr>
+          <p:nvPr>
+            <p:ph type="title"/>
+          </p:nvPr>
+        </p:nvSpPr>
+        <p:spPr/>
+        <p:txBody>
+          <a:bodyPr/>
+          <a:lstStyle/>
+          <a:p>
+            <a:r>
+              <a:rPr lang="en-US" altLang="zh-CN" dirty="0" smtClean="0"/>
+              <a:t>For </a:t>
+            </a:r>
+            <a:r>
+              <a:rPr lang="en-US" altLang="zh-CN" dirty="0" err="1" smtClean="0"/>
+              <a:t>Tianyihuiyuan</a:t>
+            </a:r>
+            <a:endParaRPr lang="zh-CN" altLang="en-US" dirty="0"/>
+          </a:p>
+        </p:txBody>
+      </p:sp>
+      <p:sp>
+        <p:nvSpPr>
+          <p:cNvPr id="3" name="内容占位符 2"/>
+          <p:cNvSpPr>
+            <a:spLocks noGrp="1"/>
+          </p:cNvSpPr>
+          <p:nvPr>
+            <p:ph idx="1"/>
+          </p:nvPr>
+        </p:nvSpPr>
+        <p:spPr/>
+        <p:txBody>
+          <a:bodyPr/>
+          <a:lstStyle/>
+          <a:p>
+            <a:r>
+              <a:rPr lang="en-US" altLang="zh-CN" dirty="0" smtClean="0"/>
+              <a:t>Begin with SNP/</a:t>
+            </a:r>
+            <a:r>
+              <a:rPr lang="en-US" altLang="zh-CN" dirty="0" err="1" smtClean="0"/>
+              <a:t>Indel</a:t>
+            </a:r>
+            <a:r>
+              <a:rPr lang="en-US" altLang="zh-CN" dirty="0" smtClean="0"/>
+              <a:t> position, and reference sequence</a:t>
+            </a:r>
+          </a:p>
+          <a:p>
+            <a:pPr marL="0" indent="0">
+              <a:buNone/>
+            </a:pPr>
+            <a:r>
+              <a:rPr lang="en-US" altLang="zh-CN" dirty="0" smtClean="0"/>
+              <a:t>SNP/</a:t>
+            </a:r>
+            <a:r>
+              <a:rPr lang="en-US" altLang="zh-CN" dirty="0" err="1" smtClean="0"/>
+              <a:t>Indel</a:t>
+            </a:r>
+            <a:r>
+              <a:rPr lang="en-US" altLang="zh-CN" dirty="0" smtClean="0"/>
+              <a:t>: </a:t>
+            </a:r>
+            <a:r>
+              <a:rPr lang="en-US" altLang="zh-CN" dirty="0" err="1" smtClean="0"/>
+              <a:t>vcf</a:t>
+            </a:r>
+            <a:r>
+              <a:rPr lang="en-US" altLang="zh-CN" dirty="0" smtClean="0"/>
+              <a:t>, bed, or other format</a:t>
+            </a:r>
+          </a:p>
+          <a:p>
+            <a:pPr marL="0" indent="0">
+              <a:buNone/>
+            </a:pPr>
+            <a:r>
+              <a:rPr lang="en-US" altLang="zh-CN" dirty="0"/>
+              <a:t>r</a:t>
+            </a:r>
+            <a:r>
+              <a:rPr lang="en-US" altLang="zh-CN" dirty="0" smtClean="0"/>
+              <a:t>eference: </a:t>
+            </a:r>
+            <a:r>
+              <a:rPr lang="en-US" altLang="zh-CN" dirty="0" err="1" smtClean="0"/>
+              <a:t>url</a:t>
+            </a:r>
+            <a:r>
+              <a:rPr lang="en-US" altLang="zh-CN" dirty="0" smtClean="0"/>
+              <a:t>, organisms, or </a:t>
+            </a:r>
+            <a:r>
+              <a:rPr lang="en-US" altLang="zh-CN" dirty="0" err="1" smtClean="0"/>
+              <a:t>fasta</a:t>
+            </a:r>
+            <a:r>
+              <a:rPr lang="en-US" altLang="zh-CN" smtClean="0"/>
+              <a:t> sequence </a:t>
+            </a:r>
+            <a:endParaRPr lang="zh-CN" altLang="en-US" dirty="0"/>
+          </a:p>
+        </p:txBody>
+      </p:sp>
+    </p:spTree>
+    <p:extLst>
+      <p:ext uri="{BB962C8B-B14F-4D97-AF65-F5344CB8AC3E}">
+        <p14:creationId xmlns:p14="http://schemas.microsoft.com/office/powerpoint/2010/main" val="1389773394"/>
       </p:ext>
     </p:extLst>
   </p:cSld>

--- a/doc/scheme_and_procedure.pptx
+++ b/doc/scheme_and_procedure.pptx
@@ -10,6 +10,7 @@
     <p:sldId id="258" r:id="rId4"/>
     <p:sldId id="259" r:id="rId5"/>
     <p:sldId id="260" r:id="rId6"/>
+    <p:sldId id="261" r:id="rId7"/>
   </p:sldIdLst>
   <p:sldSz cx="9144000" cy="6858000" type="screen4x3"/>
   <p:notesSz cx="6858000" cy="9144000"/>
@@ -292,7 +293,7 @@
           <a:p>
             <a:fld id="{FEDA596D-284E-4434-AB27-B201FA23FEAE}" type="datetimeFigureOut">
               <a:rPr lang="zh-CN" altLang="en-US" smtClean="0"/>
-              <a:t>2016/1/30</a:t>
+              <a:t>2016/3/28</a:t>
             </a:fld>
             <a:endParaRPr lang="zh-CN" altLang="en-US"/>
           </a:p>
@@ -462,7 +463,7 @@
           <a:p>
             <a:fld id="{FEDA596D-284E-4434-AB27-B201FA23FEAE}" type="datetimeFigureOut">
               <a:rPr lang="zh-CN" altLang="en-US" smtClean="0"/>
-              <a:t>2016/1/30</a:t>
+              <a:t>2016/3/28</a:t>
             </a:fld>
             <a:endParaRPr lang="zh-CN" altLang="en-US"/>
           </a:p>
@@ -642,7 +643,7 @@
           <a:p>
             <a:fld id="{FEDA596D-284E-4434-AB27-B201FA23FEAE}" type="datetimeFigureOut">
               <a:rPr lang="zh-CN" altLang="en-US" smtClean="0"/>
-              <a:t>2016/1/30</a:t>
+              <a:t>2016/3/28</a:t>
             </a:fld>
             <a:endParaRPr lang="zh-CN" altLang="en-US"/>
           </a:p>
@@ -812,7 +813,7 @@
           <a:p>
             <a:fld id="{FEDA596D-284E-4434-AB27-B201FA23FEAE}" type="datetimeFigureOut">
               <a:rPr lang="zh-CN" altLang="en-US" smtClean="0"/>
-              <a:t>2016/1/30</a:t>
+              <a:t>2016/3/28</a:t>
             </a:fld>
             <a:endParaRPr lang="zh-CN" altLang="en-US"/>
           </a:p>
@@ -1058,7 +1059,7 @@
           <a:p>
             <a:fld id="{FEDA596D-284E-4434-AB27-B201FA23FEAE}" type="datetimeFigureOut">
               <a:rPr lang="zh-CN" altLang="en-US" smtClean="0"/>
-              <a:t>2016/1/30</a:t>
+              <a:t>2016/3/28</a:t>
             </a:fld>
             <a:endParaRPr lang="zh-CN" altLang="en-US"/>
           </a:p>
@@ -1346,7 +1347,7 @@
           <a:p>
             <a:fld id="{FEDA596D-284E-4434-AB27-B201FA23FEAE}" type="datetimeFigureOut">
               <a:rPr lang="zh-CN" altLang="en-US" smtClean="0"/>
-              <a:t>2016/1/30</a:t>
+              <a:t>2016/3/28</a:t>
             </a:fld>
             <a:endParaRPr lang="zh-CN" altLang="en-US"/>
           </a:p>
@@ -1768,7 +1769,7 @@
           <a:p>
             <a:fld id="{FEDA596D-284E-4434-AB27-B201FA23FEAE}" type="datetimeFigureOut">
               <a:rPr lang="zh-CN" altLang="en-US" smtClean="0"/>
-              <a:t>2016/1/30</a:t>
+              <a:t>2016/3/28</a:t>
             </a:fld>
             <a:endParaRPr lang="zh-CN" altLang="en-US"/>
           </a:p>
@@ -1886,7 +1887,7 @@
           <a:p>
             <a:fld id="{FEDA596D-284E-4434-AB27-B201FA23FEAE}" type="datetimeFigureOut">
               <a:rPr lang="zh-CN" altLang="en-US" smtClean="0"/>
-              <a:t>2016/1/30</a:t>
+              <a:t>2016/3/28</a:t>
             </a:fld>
             <a:endParaRPr lang="zh-CN" altLang="en-US"/>
           </a:p>
@@ -1981,7 +1982,7 @@
           <a:p>
             <a:fld id="{FEDA596D-284E-4434-AB27-B201FA23FEAE}" type="datetimeFigureOut">
               <a:rPr lang="zh-CN" altLang="en-US" smtClean="0"/>
-              <a:t>2016/1/30</a:t>
+              <a:t>2016/3/28</a:t>
             </a:fld>
             <a:endParaRPr lang="zh-CN" altLang="en-US"/>
           </a:p>
@@ -2258,7 +2259,7 @@
           <a:p>
             <a:fld id="{FEDA596D-284E-4434-AB27-B201FA23FEAE}" type="datetimeFigureOut">
               <a:rPr lang="zh-CN" altLang="en-US" smtClean="0"/>
-              <a:t>2016/1/30</a:t>
+              <a:t>2016/3/28</a:t>
             </a:fld>
             <a:endParaRPr lang="zh-CN" altLang="en-US"/>
           </a:p>
@@ -2511,7 +2512,7 @@
           <a:p>
             <a:fld id="{FEDA596D-284E-4434-AB27-B201FA23FEAE}" type="datetimeFigureOut">
               <a:rPr lang="zh-CN" altLang="en-US" smtClean="0"/>
-              <a:t>2016/1/30</a:t>
+              <a:t>2016/3/28</a:t>
             </a:fld>
             <a:endParaRPr lang="zh-CN" altLang="en-US"/>
           </a:p>
@@ -2724,7 +2725,7 @@
           <a:p>
             <a:fld id="{FEDA596D-284E-4434-AB27-B201FA23FEAE}" type="datetimeFigureOut">
               <a:rPr lang="zh-CN" altLang="en-US" smtClean="0"/>
-              <a:t>2016/1/30</a:t>
+              <a:t>2016/3/28</a:t>
             </a:fld>
             <a:endParaRPr lang="zh-CN" altLang="en-US"/>
           </a:p>
@@ -5059,6 +5060,1336 @@
     <p:extLst>
       <p:ext uri="{BB962C8B-B14F-4D97-AF65-F5344CB8AC3E}">
         <p14:creationId xmlns:p14="http://schemas.microsoft.com/office/powerpoint/2010/main" val="1389773394"/>
+      </p:ext>
+    </p:extLst>
+  </p:cSld>
+  <p:clrMapOvr>
+    <a:masterClrMapping/>
+  </p:clrMapOvr>
+</p:sld>
+</file>
+
+<file path=ppt/slides/slide6.xml><?xml version="1.0" encoding="utf-8"?>
+<p:sld xmlns:a="http://schemas.openxmlformats.org/drawingml/2006/main" xmlns:r="http://schemas.openxmlformats.org/officeDocument/2006/relationships" xmlns:p="http://schemas.openxmlformats.org/presentationml/2006/main">
+  <p:cSld>
+    <p:spTree>
+      <p:nvGrpSpPr>
+        <p:cNvPr id="1" name=""/>
+        <p:cNvGrpSpPr/>
+        <p:nvPr/>
+      </p:nvGrpSpPr>
+      <p:grpSpPr>
+        <a:xfrm>
+          <a:off x="0" y="0"/>
+          <a:ext cx="0" cy="0"/>
+          <a:chOff x="0" y="0"/>
+          <a:chExt cx="0" cy="0"/>
+        </a:xfrm>
+      </p:grpSpPr>
+      <p:sp>
+        <p:nvSpPr>
+          <p:cNvPr id="2" name="标题 1"/>
+          <p:cNvSpPr>
+            <a:spLocks noGrp="1"/>
+          </p:cNvSpPr>
+          <p:nvPr>
+            <p:ph type="title"/>
+          </p:nvPr>
+        </p:nvSpPr>
+        <p:spPr/>
+        <p:txBody>
+          <a:bodyPr/>
+          <a:lstStyle/>
+          <a:p>
+            <a:r>
+              <a:rPr lang="en-US" altLang="zh-CN" dirty="0" smtClean="0"/>
+              <a:t>Workflow for </a:t>
+            </a:r>
+            <a:r>
+              <a:rPr lang="en-US" altLang="zh-CN" dirty="0" err="1" smtClean="0"/>
+              <a:t>EMview</a:t>
+            </a:r>
+            <a:endParaRPr lang="zh-CN" altLang="en-US" dirty="0"/>
+          </a:p>
+        </p:txBody>
+      </p:sp>
+      <p:sp>
+        <p:nvSpPr>
+          <p:cNvPr id="32" name="TextBox 31"/>
+          <p:cNvSpPr txBox="1"/>
+          <p:nvPr/>
+        </p:nvSpPr>
+        <p:spPr>
+          <a:xfrm>
+            <a:off x="5580112" y="1844824"/>
+            <a:ext cx="3105850" cy="369332"/>
+          </a:xfrm>
+          <a:prstGeom prst="rect">
+            <a:avLst/>
+          </a:prstGeom>
+          <a:noFill/>
+        </p:spPr>
+        <p:txBody>
+          <a:bodyPr wrap="none" rtlCol="0">
+            <a:spAutoFit/>
+          </a:bodyPr>
+          <a:lstStyle/>
+          <a:p>
+            <a:r>
+              <a:rPr lang="en-US" altLang="zh-CN" dirty="0" smtClean="0"/>
+              <a:t>STR: Sequencing Target Region </a:t>
+            </a:r>
+            <a:endParaRPr lang="zh-CN" altLang="en-US" dirty="0"/>
+          </a:p>
+        </p:txBody>
+      </p:sp>
+      <p:sp>
+        <p:nvSpPr>
+          <p:cNvPr id="33" name="TextBox 32"/>
+          <p:cNvSpPr txBox="1"/>
+          <p:nvPr/>
+        </p:nvSpPr>
+        <p:spPr>
+          <a:xfrm>
+            <a:off x="5732512" y="2430180"/>
+            <a:ext cx="2600840" cy="369332"/>
+          </a:xfrm>
+          <a:prstGeom prst="rect">
+            <a:avLst/>
+          </a:prstGeom>
+          <a:noFill/>
+        </p:spPr>
+        <p:txBody>
+          <a:bodyPr wrap="none" rtlCol="0">
+            <a:spAutoFit/>
+          </a:bodyPr>
+          <a:lstStyle/>
+          <a:p>
+            <a:r>
+              <a:rPr lang="en-US" altLang="zh-CN" dirty="0" smtClean="0"/>
+              <a:t>TBL: table format of blast </a:t>
+            </a:r>
+            <a:endParaRPr lang="zh-CN" altLang="en-US" dirty="0"/>
+          </a:p>
+        </p:txBody>
+      </p:sp>
+      <p:sp>
+        <p:nvSpPr>
+          <p:cNvPr id="34" name="TextBox 33"/>
+          <p:cNvSpPr txBox="1"/>
+          <p:nvPr/>
+        </p:nvSpPr>
+        <p:spPr>
+          <a:xfrm>
+            <a:off x="5652120" y="3212976"/>
+            <a:ext cx="3475375" cy="369332"/>
+          </a:xfrm>
+          <a:prstGeom prst="rect">
+            <a:avLst/>
+          </a:prstGeom>
+          <a:noFill/>
+        </p:spPr>
+        <p:txBody>
+          <a:bodyPr wrap="none" rtlCol="0">
+            <a:spAutoFit/>
+          </a:bodyPr>
+          <a:lstStyle/>
+          <a:p>
+            <a:r>
+              <a:rPr lang="en-US" altLang="zh-CN" dirty="0" smtClean="0"/>
+              <a:t>FTBL: Filtered table format of blast </a:t>
+            </a:r>
+            <a:endParaRPr lang="zh-CN" altLang="en-US" dirty="0"/>
+          </a:p>
+        </p:txBody>
+      </p:sp>
+      <p:grpSp>
+        <p:nvGrpSpPr>
+          <p:cNvPr id="72" name="组合 71"/>
+          <p:cNvGrpSpPr/>
+          <p:nvPr/>
+        </p:nvGrpSpPr>
+        <p:grpSpPr>
+          <a:xfrm>
+            <a:off x="341634" y="1700808"/>
+            <a:ext cx="3858344" cy="4721170"/>
+            <a:chOff x="341634" y="1700808"/>
+            <a:chExt cx="3858344" cy="4721170"/>
+          </a:xfrm>
+        </p:grpSpPr>
+        <p:sp>
+          <p:nvSpPr>
+            <p:cNvPr id="6" name="TextBox 5"/>
+            <p:cNvSpPr txBox="1"/>
+            <p:nvPr/>
+          </p:nvSpPr>
+          <p:spPr>
+            <a:xfrm>
+              <a:off x="2087516" y="1700808"/>
+              <a:ext cx="559769" cy="369332"/>
+            </a:xfrm>
+            <a:prstGeom prst="rect">
+              <a:avLst/>
+            </a:prstGeom>
+            <a:noFill/>
+          </p:spPr>
+          <p:txBody>
+            <a:bodyPr wrap="none" rtlCol="0">
+              <a:spAutoFit/>
+            </a:bodyPr>
+            <a:lstStyle/>
+            <a:p>
+              <a:r>
+                <a:rPr lang="en-US" altLang="zh-CN" dirty="0" smtClean="0"/>
+                <a:t>AB1</a:t>
+              </a:r>
+              <a:endParaRPr lang="zh-CN" altLang="en-US" dirty="0"/>
+            </a:p>
+          </p:txBody>
+        </p:sp>
+        <p:sp>
+          <p:nvSpPr>
+            <p:cNvPr id="7" name="TextBox 6"/>
+            <p:cNvSpPr txBox="1"/>
+            <p:nvPr/>
+          </p:nvSpPr>
+          <p:spPr>
+            <a:xfrm>
+              <a:off x="2033006" y="2483604"/>
+              <a:ext cx="666786" cy="369332"/>
+            </a:xfrm>
+            <a:prstGeom prst="rect">
+              <a:avLst/>
+            </a:prstGeom>
+            <a:noFill/>
+          </p:spPr>
+          <p:txBody>
+            <a:bodyPr wrap="none" rtlCol="0">
+              <a:spAutoFit/>
+            </a:bodyPr>
+            <a:lstStyle/>
+            <a:p>
+              <a:r>
+                <a:rPr lang="en-US" altLang="zh-CN" dirty="0" err="1" smtClean="0"/>
+                <a:t>Fasta</a:t>
+              </a:r>
+              <a:endParaRPr lang="zh-CN" altLang="en-US" dirty="0"/>
+            </a:p>
+          </p:txBody>
+        </p:sp>
+        <p:sp>
+          <p:nvSpPr>
+            <p:cNvPr id="8" name="TextBox 7"/>
+            <p:cNvSpPr txBox="1"/>
+            <p:nvPr/>
+          </p:nvSpPr>
+          <p:spPr>
+            <a:xfrm>
+              <a:off x="2106552" y="3347700"/>
+              <a:ext cx="519694" cy="369332"/>
+            </a:xfrm>
+            <a:prstGeom prst="rect">
+              <a:avLst/>
+            </a:prstGeom>
+            <a:noFill/>
+          </p:spPr>
+          <p:txBody>
+            <a:bodyPr wrap="none" rtlCol="0">
+              <a:spAutoFit/>
+            </a:bodyPr>
+            <a:lstStyle/>
+            <a:p>
+              <a:r>
+                <a:rPr lang="en-US" altLang="zh-CN" dirty="0" smtClean="0"/>
+                <a:t>TBL</a:t>
+              </a:r>
+              <a:endParaRPr lang="zh-CN" altLang="en-US" dirty="0"/>
+            </a:p>
+          </p:txBody>
+        </p:sp>
+        <p:sp>
+          <p:nvSpPr>
+            <p:cNvPr id="9" name="TextBox 8"/>
+            <p:cNvSpPr txBox="1"/>
+            <p:nvPr/>
+          </p:nvSpPr>
+          <p:spPr>
+            <a:xfrm>
+              <a:off x="3059832" y="2915652"/>
+              <a:ext cx="1082925" cy="369332"/>
+            </a:xfrm>
+            <a:prstGeom prst="rect">
+              <a:avLst/>
+            </a:prstGeom>
+            <a:noFill/>
+          </p:spPr>
+          <p:txBody>
+            <a:bodyPr wrap="none" rtlCol="0">
+              <a:spAutoFit/>
+            </a:bodyPr>
+            <a:lstStyle/>
+            <a:p>
+              <a:r>
+                <a:rPr lang="en-US" altLang="zh-CN" dirty="0" smtClean="0"/>
+                <a:t>reference</a:t>
+              </a:r>
+              <a:endParaRPr lang="zh-CN" altLang="en-US" dirty="0"/>
+            </a:p>
+          </p:txBody>
+        </p:sp>
+        <p:sp>
+          <p:nvSpPr>
+            <p:cNvPr id="10" name="TextBox 9"/>
+            <p:cNvSpPr txBox="1"/>
+            <p:nvPr/>
+          </p:nvSpPr>
+          <p:spPr>
+            <a:xfrm>
+              <a:off x="2054655" y="4442612"/>
+              <a:ext cx="625492" cy="369332"/>
+            </a:xfrm>
+            <a:prstGeom prst="rect">
+              <a:avLst/>
+            </a:prstGeom>
+            <a:noFill/>
+          </p:spPr>
+          <p:txBody>
+            <a:bodyPr wrap="none" rtlCol="0">
+              <a:spAutoFit/>
+            </a:bodyPr>
+            <a:lstStyle/>
+            <a:p>
+              <a:r>
+                <a:rPr lang="en-US" altLang="zh-CN" dirty="0" smtClean="0"/>
+                <a:t>FTBL</a:t>
+              </a:r>
+              <a:endParaRPr lang="zh-CN" altLang="en-US" dirty="0"/>
+            </a:p>
+          </p:txBody>
+        </p:sp>
+        <p:sp>
+          <p:nvSpPr>
+            <p:cNvPr id="11" name="TextBox 10"/>
+            <p:cNvSpPr txBox="1"/>
+            <p:nvPr/>
+          </p:nvSpPr>
+          <p:spPr>
+            <a:xfrm>
+              <a:off x="3059832" y="3923764"/>
+              <a:ext cx="526106" cy="369332"/>
+            </a:xfrm>
+            <a:prstGeom prst="rect">
+              <a:avLst/>
+            </a:prstGeom>
+            <a:noFill/>
+          </p:spPr>
+          <p:txBody>
+            <a:bodyPr wrap="none" rtlCol="0">
+              <a:spAutoFit/>
+            </a:bodyPr>
+            <a:lstStyle/>
+            <a:p>
+              <a:r>
+                <a:rPr lang="en-US" altLang="zh-CN" dirty="0" smtClean="0"/>
+                <a:t>STR</a:t>
+              </a:r>
+              <a:endParaRPr lang="zh-CN" altLang="en-US" dirty="0"/>
+            </a:p>
+          </p:txBody>
+        </p:sp>
+        <p:sp>
+          <p:nvSpPr>
+            <p:cNvPr id="12" name="TextBox 11"/>
+            <p:cNvSpPr txBox="1"/>
+            <p:nvPr/>
+          </p:nvSpPr>
+          <p:spPr>
+            <a:xfrm>
+              <a:off x="3135365" y="4871910"/>
+              <a:ext cx="931858" cy="369332"/>
+            </a:xfrm>
+            <a:prstGeom prst="rect">
+              <a:avLst/>
+            </a:prstGeom>
+            <a:noFill/>
+          </p:spPr>
+          <p:txBody>
+            <a:bodyPr wrap="none" rtlCol="0">
+              <a:spAutoFit/>
+            </a:bodyPr>
+            <a:lstStyle/>
+            <a:p>
+              <a:r>
+                <a:rPr lang="en-US" altLang="zh-CN" dirty="0" err="1" smtClean="0"/>
+                <a:t>SNVinfo</a:t>
+              </a:r>
+              <a:endParaRPr lang="zh-CN" altLang="en-US" dirty="0"/>
+            </a:p>
+          </p:txBody>
+        </p:sp>
+        <p:sp>
+          <p:nvSpPr>
+            <p:cNvPr id="13" name="TextBox 12"/>
+            <p:cNvSpPr txBox="1"/>
+            <p:nvPr/>
+          </p:nvSpPr>
+          <p:spPr>
+            <a:xfrm>
+              <a:off x="1259632" y="5301208"/>
+              <a:ext cx="930511" cy="369332"/>
+            </a:xfrm>
+            <a:prstGeom prst="rect">
+              <a:avLst/>
+            </a:prstGeom>
+            <a:noFill/>
+          </p:spPr>
+          <p:txBody>
+            <a:bodyPr wrap="none" rtlCol="0">
+              <a:spAutoFit/>
+            </a:bodyPr>
+            <a:lstStyle/>
+            <a:p>
+              <a:r>
+                <a:rPr lang="en-US" altLang="zh-CN" dirty="0" err="1" smtClean="0"/>
+                <a:t>EMview</a:t>
+              </a:r>
+              <a:endParaRPr lang="zh-CN" altLang="en-US" dirty="0"/>
+            </a:p>
+          </p:txBody>
+        </p:sp>
+        <p:sp>
+          <p:nvSpPr>
+            <p:cNvPr id="14" name="TextBox 13"/>
+            <p:cNvSpPr txBox="1"/>
+            <p:nvPr/>
+          </p:nvSpPr>
+          <p:spPr>
+            <a:xfrm>
+              <a:off x="2489361" y="5301208"/>
+              <a:ext cx="940386" cy="369332"/>
+            </a:xfrm>
+            <a:prstGeom prst="rect">
+              <a:avLst/>
+            </a:prstGeom>
+            <a:noFill/>
+          </p:spPr>
+          <p:txBody>
+            <a:bodyPr wrap="none" rtlCol="0">
+              <a:spAutoFit/>
+            </a:bodyPr>
+            <a:lstStyle/>
+            <a:p>
+              <a:r>
+                <a:rPr lang="en-US" altLang="zh-CN" dirty="0" err="1" smtClean="0"/>
+                <a:t>SNVExtr</a:t>
+              </a:r>
+              <a:endParaRPr lang="zh-CN" altLang="en-US" dirty="0"/>
+            </a:p>
+          </p:txBody>
+        </p:sp>
+        <p:sp>
+          <p:nvSpPr>
+            <p:cNvPr id="15" name="TextBox 14"/>
+            <p:cNvSpPr txBox="1"/>
+            <p:nvPr/>
+          </p:nvSpPr>
+          <p:spPr>
+            <a:xfrm>
+              <a:off x="1014083" y="6052646"/>
+              <a:ext cx="1421608" cy="369332"/>
+            </a:xfrm>
+            <a:prstGeom prst="rect">
+              <a:avLst/>
+            </a:prstGeom>
+            <a:noFill/>
+          </p:spPr>
+          <p:txBody>
+            <a:bodyPr wrap="none" rtlCol="0">
+              <a:spAutoFit/>
+            </a:bodyPr>
+            <a:lstStyle/>
+            <a:p>
+              <a:r>
+                <a:rPr lang="en-US" altLang="zh-CN" dirty="0" smtClean="0"/>
+                <a:t>Other format</a:t>
+              </a:r>
+              <a:endParaRPr lang="zh-CN" altLang="en-US" dirty="0"/>
+            </a:p>
+          </p:txBody>
+        </p:sp>
+        <p:cxnSp>
+          <p:nvCxnSpPr>
+            <p:cNvPr id="17" name="直接箭头连接符 16"/>
+            <p:cNvCxnSpPr>
+              <a:stCxn id="6" idx="2"/>
+              <a:endCxn id="7" idx="0"/>
+            </p:cNvCxnSpPr>
+            <p:nvPr/>
+          </p:nvCxnSpPr>
+          <p:spPr>
+            <a:xfrm flipH="1">
+              <a:off x="2366399" y="2070140"/>
+              <a:ext cx="1002" cy="413464"/>
+            </a:xfrm>
+            <a:prstGeom prst="straightConnector1">
+              <a:avLst/>
+            </a:prstGeom>
+            <a:ln>
+              <a:tailEnd type="arrow"/>
+            </a:ln>
+          </p:spPr>
+          <p:style>
+            <a:lnRef idx="1">
+              <a:schemeClr val="accent1"/>
+            </a:lnRef>
+            <a:fillRef idx="0">
+              <a:schemeClr val="accent1"/>
+            </a:fillRef>
+            <a:effectRef idx="0">
+              <a:schemeClr val="accent1"/>
+            </a:effectRef>
+            <a:fontRef idx="minor">
+              <a:schemeClr val="tx1"/>
+            </a:fontRef>
+          </p:style>
+        </p:cxnSp>
+        <p:sp>
+          <p:nvSpPr>
+            <p:cNvPr id="18" name="TextBox 17"/>
+            <p:cNvSpPr txBox="1"/>
+            <p:nvPr/>
+          </p:nvSpPr>
+          <p:spPr>
+            <a:xfrm>
+              <a:off x="971600" y="2070140"/>
+              <a:ext cx="864724" cy="369332"/>
+            </a:xfrm>
+            <a:prstGeom prst="rect">
+              <a:avLst/>
+            </a:prstGeom>
+            <a:noFill/>
+          </p:spPr>
+          <p:txBody>
+            <a:bodyPr wrap="none" rtlCol="0">
+              <a:spAutoFit/>
+            </a:bodyPr>
+            <a:lstStyle/>
+            <a:p>
+              <a:r>
+                <a:rPr lang="en-US" altLang="zh-CN" dirty="0" err="1" smtClean="0">
+                  <a:solidFill>
+                    <a:srgbClr val="FF0000"/>
+                  </a:solidFill>
+                </a:rPr>
+                <a:t>GetSeq</a:t>
+              </a:r>
+              <a:endParaRPr lang="zh-CN" altLang="en-US" dirty="0">
+                <a:solidFill>
+                  <a:srgbClr val="FF0000"/>
+                </a:solidFill>
+              </a:endParaRPr>
+            </a:p>
+          </p:txBody>
+        </p:sp>
+        <p:cxnSp>
+          <p:nvCxnSpPr>
+            <p:cNvPr id="20" name="直接箭头连接符 19"/>
+            <p:cNvCxnSpPr>
+              <a:stCxn id="7" idx="2"/>
+              <a:endCxn id="8" idx="0"/>
+            </p:cNvCxnSpPr>
+            <p:nvPr/>
+          </p:nvCxnSpPr>
+          <p:spPr>
+            <a:xfrm>
+              <a:off x="2366399" y="2852936"/>
+              <a:ext cx="0" cy="494764"/>
+            </a:xfrm>
+            <a:prstGeom prst="straightConnector1">
+              <a:avLst/>
+            </a:prstGeom>
+            <a:ln>
+              <a:tailEnd type="arrow"/>
+            </a:ln>
+          </p:spPr>
+          <p:style>
+            <a:lnRef idx="1">
+              <a:schemeClr val="accent1"/>
+            </a:lnRef>
+            <a:fillRef idx="0">
+              <a:schemeClr val="accent1"/>
+            </a:fillRef>
+            <a:effectRef idx="0">
+              <a:schemeClr val="accent1"/>
+            </a:effectRef>
+            <a:fontRef idx="minor">
+              <a:schemeClr val="tx1"/>
+            </a:fontRef>
+          </p:style>
+        </p:cxnSp>
+        <p:cxnSp>
+          <p:nvCxnSpPr>
+            <p:cNvPr id="23" name="直接箭头连接符 22"/>
+            <p:cNvCxnSpPr>
+              <a:stCxn id="9" idx="1"/>
+            </p:cNvCxnSpPr>
+            <p:nvPr/>
+          </p:nvCxnSpPr>
+          <p:spPr>
+            <a:xfrm flipH="1">
+              <a:off x="2414844" y="3100318"/>
+              <a:ext cx="644988" cy="0"/>
+            </a:xfrm>
+            <a:prstGeom prst="straightConnector1">
+              <a:avLst/>
+            </a:prstGeom>
+            <a:ln>
+              <a:tailEnd type="arrow"/>
+            </a:ln>
+          </p:spPr>
+          <p:style>
+            <a:lnRef idx="1">
+              <a:schemeClr val="accent1"/>
+            </a:lnRef>
+            <a:fillRef idx="0">
+              <a:schemeClr val="accent1"/>
+            </a:fillRef>
+            <a:effectRef idx="0">
+              <a:schemeClr val="accent1"/>
+            </a:effectRef>
+            <a:fontRef idx="minor">
+              <a:schemeClr val="tx1"/>
+            </a:fontRef>
+          </p:style>
+        </p:cxnSp>
+        <p:cxnSp>
+          <p:nvCxnSpPr>
+            <p:cNvPr id="25" name="直接箭头连接符 24"/>
+            <p:cNvCxnSpPr>
+              <a:stCxn id="18" idx="3"/>
+            </p:cNvCxnSpPr>
+            <p:nvPr/>
+          </p:nvCxnSpPr>
+          <p:spPr>
+            <a:xfrm>
+              <a:off x="1836324" y="2254806"/>
+              <a:ext cx="530075" cy="0"/>
+            </a:xfrm>
+            <a:prstGeom prst="straightConnector1">
+              <a:avLst/>
+            </a:prstGeom>
+            <a:ln>
+              <a:tailEnd type="arrow"/>
+            </a:ln>
+          </p:spPr>
+          <p:style>
+            <a:lnRef idx="1">
+              <a:schemeClr val="accent1"/>
+            </a:lnRef>
+            <a:fillRef idx="0">
+              <a:schemeClr val="accent1"/>
+            </a:fillRef>
+            <a:effectRef idx="0">
+              <a:schemeClr val="accent1"/>
+            </a:effectRef>
+            <a:fontRef idx="minor">
+              <a:schemeClr val="tx1"/>
+            </a:fontRef>
+          </p:style>
+        </p:cxnSp>
+        <p:sp>
+          <p:nvSpPr>
+            <p:cNvPr id="26" name="TextBox 25"/>
+            <p:cNvSpPr txBox="1"/>
+            <p:nvPr/>
+          </p:nvSpPr>
+          <p:spPr>
+            <a:xfrm>
+              <a:off x="971600" y="2915652"/>
+              <a:ext cx="949619" cy="369332"/>
+            </a:xfrm>
+            <a:prstGeom prst="rect">
+              <a:avLst/>
+            </a:prstGeom>
+            <a:noFill/>
+          </p:spPr>
+          <p:txBody>
+            <a:bodyPr wrap="none" rtlCol="0">
+              <a:spAutoFit/>
+            </a:bodyPr>
+            <a:lstStyle/>
+            <a:p>
+              <a:r>
+                <a:rPr lang="en-US" altLang="zh-CN" dirty="0" err="1" smtClean="0">
+                  <a:solidFill>
+                    <a:srgbClr val="FF0000"/>
+                  </a:solidFill>
+                </a:rPr>
+                <a:t>callBlast</a:t>
+              </a:r>
+              <a:endParaRPr lang="zh-CN" altLang="en-US" dirty="0">
+                <a:solidFill>
+                  <a:srgbClr val="FF0000"/>
+                </a:solidFill>
+              </a:endParaRPr>
+            </a:p>
+          </p:txBody>
+        </p:sp>
+        <p:cxnSp>
+          <p:nvCxnSpPr>
+            <p:cNvPr id="28" name="直接箭头连接符 27"/>
+            <p:cNvCxnSpPr>
+              <a:stCxn id="26" idx="3"/>
+            </p:cNvCxnSpPr>
+            <p:nvPr/>
+          </p:nvCxnSpPr>
+          <p:spPr>
+            <a:xfrm>
+              <a:off x="1921219" y="3100318"/>
+              <a:ext cx="445180" cy="0"/>
+            </a:xfrm>
+            <a:prstGeom prst="straightConnector1">
+              <a:avLst/>
+            </a:prstGeom>
+            <a:ln>
+              <a:tailEnd type="arrow"/>
+            </a:ln>
+          </p:spPr>
+          <p:style>
+            <a:lnRef idx="1">
+              <a:schemeClr val="accent1"/>
+            </a:lnRef>
+            <a:fillRef idx="0">
+              <a:schemeClr val="accent1"/>
+            </a:fillRef>
+            <a:effectRef idx="0">
+              <a:schemeClr val="accent1"/>
+            </a:effectRef>
+            <a:fontRef idx="minor">
+              <a:schemeClr val="tx1"/>
+            </a:fontRef>
+          </p:style>
+        </p:cxnSp>
+        <p:cxnSp>
+          <p:nvCxnSpPr>
+            <p:cNvPr id="30" name="直接箭头连接符 29"/>
+            <p:cNvCxnSpPr>
+              <a:stCxn id="8" idx="2"/>
+              <a:endCxn id="11" idx="0"/>
+            </p:cNvCxnSpPr>
+            <p:nvPr/>
+          </p:nvCxnSpPr>
+          <p:spPr>
+            <a:xfrm>
+              <a:off x="2366399" y="3717032"/>
+              <a:ext cx="956486" cy="206732"/>
+            </a:xfrm>
+            <a:prstGeom prst="straightConnector1">
+              <a:avLst/>
+            </a:prstGeom>
+            <a:ln>
+              <a:tailEnd type="arrow"/>
+            </a:ln>
+          </p:spPr>
+          <p:style>
+            <a:lnRef idx="1">
+              <a:schemeClr val="accent1"/>
+            </a:lnRef>
+            <a:fillRef idx="0">
+              <a:schemeClr val="accent1"/>
+            </a:fillRef>
+            <a:effectRef idx="0">
+              <a:schemeClr val="accent1"/>
+            </a:effectRef>
+            <a:fontRef idx="minor">
+              <a:schemeClr val="tx1"/>
+            </a:fontRef>
+          </p:style>
+        </p:cxnSp>
+        <p:sp>
+          <p:nvSpPr>
+            <p:cNvPr id="35" name="TextBox 34"/>
+            <p:cNvSpPr txBox="1"/>
+            <p:nvPr/>
+          </p:nvSpPr>
+          <p:spPr>
+            <a:xfrm>
+              <a:off x="3235355" y="3442997"/>
+              <a:ext cx="964623" cy="369332"/>
+            </a:xfrm>
+            <a:prstGeom prst="rect">
+              <a:avLst/>
+            </a:prstGeom>
+            <a:noFill/>
+          </p:spPr>
+          <p:txBody>
+            <a:bodyPr wrap="none" rtlCol="0">
+              <a:spAutoFit/>
+            </a:bodyPr>
+            <a:lstStyle/>
+            <a:p>
+              <a:r>
+                <a:rPr lang="en-US" altLang="zh-CN" dirty="0" err="1" smtClean="0">
+                  <a:solidFill>
+                    <a:srgbClr val="FF0000"/>
+                  </a:solidFill>
+                </a:rPr>
+                <a:t>STRInfer</a:t>
+              </a:r>
+              <a:endParaRPr lang="zh-CN" altLang="en-US" dirty="0">
+                <a:solidFill>
+                  <a:srgbClr val="FF0000"/>
+                </a:solidFill>
+              </a:endParaRPr>
+            </a:p>
+          </p:txBody>
+        </p:sp>
+        <p:cxnSp>
+          <p:nvCxnSpPr>
+            <p:cNvPr id="42" name="直接箭头连接符 41"/>
+            <p:cNvCxnSpPr>
+              <a:stCxn id="35" idx="1"/>
+            </p:cNvCxnSpPr>
+            <p:nvPr/>
+          </p:nvCxnSpPr>
+          <p:spPr>
+            <a:xfrm flipH="1">
+              <a:off x="2959554" y="3627663"/>
+              <a:ext cx="275801" cy="233385"/>
+            </a:xfrm>
+            <a:prstGeom prst="straightConnector1">
+              <a:avLst/>
+            </a:prstGeom>
+            <a:ln>
+              <a:tailEnd type="arrow"/>
+            </a:ln>
+          </p:spPr>
+          <p:style>
+            <a:lnRef idx="1">
+              <a:schemeClr val="accent1"/>
+            </a:lnRef>
+            <a:fillRef idx="0">
+              <a:schemeClr val="accent1"/>
+            </a:fillRef>
+            <a:effectRef idx="0">
+              <a:schemeClr val="accent1"/>
+            </a:effectRef>
+            <a:fontRef idx="minor">
+              <a:schemeClr val="tx1"/>
+            </a:fontRef>
+          </p:style>
+        </p:cxnSp>
+        <p:cxnSp>
+          <p:nvCxnSpPr>
+            <p:cNvPr id="44" name="直接箭头连接符 43"/>
+            <p:cNvCxnSpPr>
+              <a:stCxn id="8" idx="2"/>
+              <a:endCxn id="10" idx="0"/>
+            </p:cNvCxnSpPr>
+            <p:nvPr/>
+          </p:nvCxnSpPr>
+          <p:spPr>
+            <a:xfrm>
+              <a:off x="2366399" y="3717032"/>
+              <a:ext cx="1002" cy="725580"/>
+            </a:xfrm>
+            <a:prstGeom prst="straightConnector1">
+              <a:avLst/>
+            </a:prstGeom>
+            <a:ln>
+              <a:tailEnd type="arrow"/>
+            </a:ln>
+          </p:spPr>
+          <p:style>
+            <a:lnRef idx="1">
+              <a:schemeClr val="accent1"/>
+            </a:lnRef>
+            <a:fillRef idx="0">
+              <a:schemeClr val="accent1"/>
+            </a:fillRef>
+            <a:effectRef idx="0">
+              <a:schemeClr val="accent1"/>
+            </a:effectRef>
+            <a:fontRef idx="minor">
+              <a:schemeClr val="tx1"/>
+            </a:fontRef>
+          </p:style>
+        </p:cxnSp>
+        <p:sp>
+          <p:nvSpPr>
+            <p:cNvPr id="45" name="TextBox 44"/>
+            <p:cNvSpPr txBox="1"/>
+            <p:nvPr/>
+          </p:nvSpPr>
+          <p:spPr>
+            <a:xfrm>
+              <a:off x="954788" y="3895156"/>
+              <a:ext cx="943272" cy="369332"/>
+            </a:xfrm>
+            <a:prstGeom prst="rect">
+              <a:avLst/>
+            </a:prstGeom>
+            <a:noFill/>
+          </p:spPr>
+          <p:txBody>
+            <a:bodyPr wrap="none" rtlCol="0">
+              <a:spAutoFit/>
+            </a:bodyPr>
+            <a:lstStyle/>
+            <a:p>
+              <a:r>
+                <a:rPr lang="en-US" altLang="zh-CN" dirty="0" err="1" smtClean="0">
+                  <a:solidFill>
+                    <a:srgbClr val="FF0000"/>
+                  </a:solidFill>
+                </a:rPr>
+                <a:t>callfilter</a:t>
+              </a:r>
+              <a:endParaRPr lang="zh-CN" altLang="en-US" dirty="0">
+                <a:solidFill>
+                  <a:srgbClr val="FF0000"/>
+                </a:solidFill>
+              </a:endParaRPr>
+            </a:p>
+          </p:txBody>
+        </p:sp>
+        <p:cxnSp>
+          <p:nvCxnSpPr>
+            <p:cNvPr id="46" name="直接箭头连接符 45"/>
+            <p:cNvCxnSpPr>
+              <a:stCxn id="45" idx="3"/>
+            </p:cNvCxnSpPr>
+            <p:nvPr/>
+          </p:nvCxnSpPr>
+          <p:spPr>
+            <a:xfrm>
+              <a:off x="1898060" y="4079822"/>
+              <a:ext cx="451527" cy="0"/>
+            </a:xfrm>
+            <a:prstGeom prst="straightConnector1">
+              <a:avLst/>
+            </a:prstGeom>
+            <a:ln>
+              <a:tailEnd type="arrow"/>
+            </a:ln>
+          </p:spPr>
+          <p:style>
+            <a:lnRef idx="1">
+              <a:schemeClr val="accent1"/>
+            </a:lnRef>
+            <a:fillRef idx="0">
+              <a:schemeClr val="accent1"/>
+            </a:fillRef>
+            <a:effectRef idx="0">
+              <a:schemeClr val="accent1"/>
+            </a:effectRef>
+            <a:fontRef idx="minor">
+              <a:schemeClr val="tx1"/>
+            </a:fontRef>
+          </p:style>
+        </p:cxnSp>
+        <p:cxnSp>
+          <p:nvCxnSpPr>
+            <p:cNvPr id="56" name="直接箭头连接符 55"/>
+            <p:cNvCxnSpPr>
+              <a:stCxn id="11" idx="1"/>
+            </p:cNvCxnSpPr>
+            <p:nvPr/>
+          </p:nvCxnSpPr>
+          <p:spPr>
+            <a:xfrm flipH="1">
+              <a:off x="2414844" y="4108430"/>
+              <a:ext cx="644988" cy="0"/>
+            </a:xfrm>
+            <a:prstGeom prst="straightConnector1">
+              <a:avLst/>
+            </a:prstGeom>
+            <a:ln>
+              <a:tailEnd type="arrow"/>
+            </a:ln>
+          </p:spPr>
+          <p:style>
+            <a:lnRef idx="1">
+              <a:schemeClr val="accent1"/>
+            </a:lnRef>
+            <a:fillRef idx="0">
+              <a:schemeClr val="accent1"/>
+            </a:fillRef>
+            <a:effectRef idx="0">
+              <a:schemeClr val="accent1"/>
+            </a:effectRef>
+            <a:fontRef idx="minor">
+              <a:schemeClr val="tx1"/>
+            </a:fontRef>
+          </p:style>
+        </p:cxnSp>
+        <p:cxnSp>
+          <p:nvCxnSpPr>
+            <p:cNvPr id="58" name="直接箭头连接符 57"/>
+            <p:cNvCxnSpPr>
+              <a:stCxn id="10" idx="2"/>
+              <a:endCxn id="13" idx="0"/>
+            </p:cNvCxnSpPr>
+            <p:nvPr/>
+          </p:nvCxnSpPr>
+          <p:spPr>
+            <a:xfrm flipH="1">
+              <a:off x="1724888" y="4811944"/>
+              <a:ext cx="642513" cy="489264"/>
+            </a:xfrm>
+            <a:prstGeom prst="straightConnector1">
+              <a:avLst/>
+            </a:prstGeom>
+            <a:ln>
+              <a:tailEnd type="arrow"/>
+            </a:ln>
+          </p:spPr>
+          <p:style>
+            <a:lnRef idx="1">
+              <a:schemeClr val="accent1"/>
+            </a:lnRef>
+            <a:fillRef idx="0">
+              <a:schemeClr val="accent1"/>
+            </a:fillRef>
+            <a:effectRef idx="0">
+              <a:schemeClr val="accent1"/>
+            </a:effectRef>
+            <a:fontRef idx="minor">
+              <a:schemeClr val="tx1"/>
+            </a:fontRef>
+          </p:style>
+        </p:cxnSp>
+        <p:cxnSp>
+          <p:nvCxnSpPr>
+            <p:cNvPr id="60" name="直接箭头连接符 59"/>
+            <p:cNvCxnSpPr>
+              <a:stCxn id="10" idx="2"/>
+              <a:endCxn id="14" idx="0"/>
+            </p:cNvCxnSpPr>
+            <p:nvPr/>
+          </p:nvCxnSpPr>
+          <p:spPr>
+            <a:xfrm>
+              <a:off x="2367401" y="4811944"/>
+              <a:ext cx="592153" cy="489264"/>
+            </a:xfrm>
+            <a:prstGeom prst="straightConnector1">
+              <a:avLst/>
+            </a:prstGeom>
+            <a:ln>
+              <a:tailEnd type="arrow"/>
+            </a:ln>
+          </p:spPr>
+          <p:style>
+            <a:lnRef idx="1">
+              <a:schemeClr val="accent1"/>
+            </a:lnRef>
+            <a:fillRef idx="0">
+              <a:schemeClr val="accent1"/>
+            </a:fillRef>
+            <a:effectRef idx="0">
+              <a:schemeClr val="accent1"/>
+            </a:effectRef>
+            <a:fontRef idx="minor">
+              <a:schemeClr val="tx1"/>
+            </a:fontRef>
+          </p:style>
+        </p:cxnSp>
+        <p:sp>
+          <p:nvSpPr>
+            <p:cNvPr id="61" name="TextBox 60"/>
+            <p:cNvSpPr txBox="1"/>
+            <p:nvPr/>
+          </p:nvSpPr>
+          <p:spPr>
+            <a:xfrm>
+              <a:off x="656825" y="4797152"/>
+              <a:ext cx="827471" cy="369332"/>
+            </a:xfrm>
+            <a:prstGeom prst="rect">
+              <a:avLst/>
+            </a:prstGeom>
+            <a:noFill/>
+          </p:spPr>
+          <p:txBody>
+            <a:bodyPr wrap="none" rtlCol="0">
+              <a:spAutoFit/>
+            </a:bodyPr>
+            <a:lstStyle/>
+            <a:p>
+              <a:r>
+                <a:rPr lang="en-US" altLang="zh-CN" dirty="0" smtClean="0">
+                  <a:solidFill>
+                    <a:srgbClr val="FF0000"/>
+                  </a:solidFill>
+                </a:rPr>
+                <a:t>aligner</a:t>
+              </a:r>
+              <a:endParaRPr lang="zh-CN" altLang="en-US" dirty="0">
+                <a:solidFill>
+                  <a:srgbClr val="FF0000"/>
+                </a:solidFill>
+              </a:endParaRPr>
+            </a:p>
+          </p:txBody>
+        </p:sp>
+        <p:cxnSp>
+          <p:nvCxnSpPr>
+            <p:cNvPr id="62" name="直接箭头连接符 61"/>
+            <p:cNvCxnSpPr>
+              <a:stCxn id="61" idx="3"/>
+            </p:cNvCxnSpPr>
+            <p:nvPr/>
+          </p:nvCxnSpPr>
+          <p:spPr>
+            <a:xfrm>
+              <a:off x="1484296" y="4981818"/>
+              <a:ext cx="567328" cy="0"/>
+            </a:xfrm>
+            <a:prstGeom prst="straightConnector1">
+              <a:avLst/>
+            </a:prstGeom>
+            <a:ln>
+              <a:tailEnd type="arrow"/>
+            </a:ln>
+          </p:spPr>
+          <p:style>
+            <a:lnRef idx="1">
+              <a:schemeClr val="accent1"/>
+            </a:lnRef>
+            <a:fillRef idx="0">
+              <a:schemeClr val="accent1"/>
+            </a:fillRef>
+            <a:effectRef idx="0">
+              <a:schemeClr val="accent1"/>
+            </a:effectRef>
+            <a:fontRef idx="minor">
+              <a:schemeClr val="tx1"/>
+            </a:fontRef>
+          </p:style>
+        </p:cxnSp>
+        <p:sp>
+          <p:nvSpPr>
+            <p:cNvPr id="63" name="TextBox 62"/>
+            <p:cNvSpPr txBox="1"/>
+            <p:nvPr/>
+          </p:nvSpPr>
+          <p:spPr>
+            <a:xfrm>
+              <a:off x="2890195" y="4502578"/>
+              <a:ext cx="1034386" cy="369332"/>
+            </a:xfrm>
+            <a:prstGeom prst="rect">
+              <a:avLst/>
+            </a:prstGeom>
+            <a:noFill/>
+          </p:spPr>
+          <p:txBody>
+            <a:bodyPr wrap="none" rtlCol="0">
+              <a:spAutoFit/>
+            </a:bodyPr>
+            <a:lstStyle/>
+            <a:p>
+              <a:r>
+                <a:rPr lang="en-US" altLang="zh-CN" dirty="0" smtClean="0">
+                  <a:solidFill>
+                    <a:srgbClr val="FF0000"/>
+                  </a:solidFill>
+                </a:rPr>
+                <a:t>Extractor</a:t>
+              </a:r>
+              <a:endParaRPr lang="zh-CN" altLang="en-US" dirty="0">
+                <a:solidFill>
+                  <a:srgbClr val="FF0000"/>
+                </a:solidFill>
+              </a:endParaRPr>
+            </a:p>
+          </p:txBody>
+        </p:sp>
+        <p:cxnSp>
+          <p:nvCxnSpPr>
+            <p:cNvPr id="65" name="直接箭头连接符 64"/>
+            <p:cNvCxnSpPr>
+              <a:stCxn id="63" idx="1"/>
+            </p:cNvCxnSpPr>
+            <p:nvPr/>
+          </p:nvCxnSpPr>
+          <p:spPr>
+            <a:xfrm flipH="1">
+              <a:off x="2626247" y="4687244"/>
+              <a:ext cx="263948" cy="294574"/>
+            </a:xfrm>
+            <a:prstGeom prst="straightConnector1">
+              <a:avLst/>
+            </a:prstGeom>
+            <a:ln>
+              <a:tailEnd type="arrow"/>
+            </a:ln>
+          </p:spPr>
+          <p:style>
+            <a:lnRef idx="1">
+              <a:schemeClr val="accent1"/>
+            </a:lnRef>
+            <a:fillRef idx="0">
+              <a:schemeClr val="accent1"/>
+            </a:fillRef>
+            <a:effectRef idx="0">
+              <a:schemeClr val="accent1"/>
+            </a:effectRef>
+            <a:fontRef idx="minor">
+              <a:schemeClr val="tx1"/>
+            </a:fontRef>
+          </p:style>
+        </p:cxnSp>
+        <p:cxnSp>
+          <p:nvCxnSpPr>
+            <p:cNvPr id="67" name="直接箭头连接符 66"/>
+            <p:cNvCxnSpPr>
+              <a:stCxn id="12" idx="1"/>
+            </p:cNvCxnSpPr>
+            <p:nvPr/>
+          </p:nvCxnSpPr>
+          <p:spPr>
+            <a:xfrm flipH="1">
+              <a:off x="2699792" y="5056576"/>
+              <a:ext cx="435573" cy="0"/>
+            </a:xfrm>
+            <a:prstGeom prst="straightConnector1">
+              <a:avLst/>
+            </a:prstGeom>
+            <a:ln>
+              <a:tailEnd type="arrow"/>
+            </a:ln>
+          </p:spPr>
+          <p:style>
+            <a:lnRef idx="1">
+              <a:schemeClr val="accent1"/>
+            </a:lnRef>
+            <a:fillRef idx="0">
+              <a:schemeClr val="accent1"/>
+            </a:fillRef>
+            <a:effectRef idx="0">
+              <a:schemeClr val="accent1"/>
+            </a:effectRef>
+            <a:fontRef idx="minor">
+              <a:schemeClr val="tx1"/>
+            </a:fontRef>
+          </p:style>
+        </p:cxnSp>
+        <p:cxnSp>
+          <p:nvCxnSpPr>
+            <p:cNvPr id="69" name="直接箭头连接符 68"/>
+            <p:cNvCxnSpPr>
+              <a:stCxn id="13" idx="2"/>
+              <a:endCxn id="15" idx="0"/>
+            </p:cNvCxnSpPr>
+            <p:nvPr/>
+          </p:nvCxnSpPr>
+          <p:spPr>
+            <a:xfrm flipH="1">
+              <a:off x="1724887" y="5670540"/>
+              <a:ext cx="1" cy="382106"/>
+            </a:xfrm>
+            <a:prstGeom prst="straightConnector1">
+              <a:avLst/>
+            </a:prstGeom>
+            <a:ln>
+              <a:tailEnd type="arrow"/>
+            </a:ln>
+          </p:spPr>
+          <p:style>
+            <a:lnRef idx="1">
+              <a:schemeClr val="accent1"/>
+            </a:lnRef>
+            <a:fillRef idx="0">
+              <a:schemeClr val="accent1"/>
+            </a:fillRef>
+            <a:effectRef idx="0">
+              <a:schemeClr val="accent1"/>
+            </a:effectRef>
+            <a:fontRef idx="minor">
+              <a:schemeClr val="tx1"/>
+            </a:fontRef>
+          </p:style>
+        </p:cxnSp>
+        <p:sp>
+          <p:nvSpPr>
+            <p:cNvPr id="70" name="TextBox 69"/>
+            <p:cNvSpPr txBox="1"/>
+            <p:nvPr/>
+          </p:nvSpPr>
+          <p:spPr>
+            <a:xfrm>
+              <a:off x="341634" y="5643381"/>
+              <a:ext cx="1052148" cy="369332"/>
+            </a:xfrm>
+            <a:prstGeom prst="rect">
+              <a:avLst/>
+            </a:prstGeom>
+            <a:noFill/>
+          </p:spPr>
+          <p:txBody>
+            <a:bodyPr wrap="none" rtlCol="0">
+              <a:spAutoFit/>
+            </a:bodyPr>
+            <a:lstStyle/>
+            <a:p>
+              <a:r>
+                <a:rPr lang="en-US" altLang="zh-CN" dirty="0" err="1" smtClean="0">
+                  <a:solidFill>
+                    <a:srgbClr val="FF0000"/>
+                  </a:solidFill>
+                </a:rPr>
+                <a:t>Formater</a:t>
+              </a:r>
+              <a:endParaRPr lang="zh-CN" altLang="en-US" dirty="0">
+                <a:solidFill>
+                  <a:srgbClr val="FF0000"/>
+                </a:solidFill>
+              </a:endParaRPr>
+            </a:p>
+          </p:txBody>
+        </p:sp>
+        <p:cxnSp>
+          <p:nvCxnSpPr>
+            <p:cNvPr id="71" name="直接箭头连接符 70"/>
+            <p:cNvCxnSpPr>
+              <a:stCxn id="70" idx="3"/>
+            </p:cNvCxnSpPr>
+            <p:nvPr/>
+          </p:nvCxnSpPr>
+          <p:spPr>
+            <a:xfrm>
+              <a:off x="1393782" y="5828047"/>
+              <a:ext cx="342651" cy="0"/>
+            </a:xfrm>
+            <a:prstGeom prst="straightConnector1">
+              <a:avLst/>
+            </a:prstGeom>
+            <a:ln>
+              <a:tailEnd type="arrow"/>
+            </a:ln>
+          </p:spPr>
+          <p:style>
+            <a:lnRef idx="1">
+              <a:schemeClr val="accent1"/>
+            </a:lnRef>
+            <a:fillRef idx="0">
+              <a:schemeClr val="accent1"/>
+            </a:fillRef>
+            <a:effectRef idx="0">
+              <a:schemeClr val="accent1"/>
+            </a:effectRef>
+            <a:fontRef idx="minor">
+              <a:schemeClr val="tx1"/>
+            </a:fontRef>
+          </p:style>
+        </p:cxnSp>
+      </p:grpSp>
+    </p:spTree>
+    <p:extLst>
+      <p:ext uri="{BB962C8B-B14F-4D97-AF65-F5344CB8AC3E}">
+        <p14:creationId xmlns:p14="http://schemas.microsoft.com/office/powerpoint/2010/main" val="330962709"/>
       </p:ext>
     </p:extLst>
   </p:cSld>
